--- a/course slides/week_06.pptx
+++ b/course slides/week_06.pptx
@@ -11,8 +11,8 @@
     <p:sldId id="256" r:id="rId2"/>
     <p:sldId id="273" r:id="rId3"/>
     <p:sldId id="278" r:id="rId4"/>
-    <p:sldId id="277" r:id="rId5"/>
-    <p:sldId id="274" r:id="rId6"/>
+    <p:sldId id="274" r:id="rId5"/>
+    <p:sldId id="277" r:id="rId6"/>
     <p:sldId id="280" r:id="rId7"/>
   </p:sldIdLst>
   <p:sldSz cx="12192000" cy="6858000"/>
@@ -714,7 +714,12 @@
           <a:bodyPr/>
           <a:lstStyle/>
           <a:p>
-            <a:pPr fontAlgn="base"/>
+            <a:endParaRPr lang="en-US" dirty="0"/>
+          </a:p>
+          <a:p>
+            <a:endParaRPr lang="en-US" dirty="0"/>
+          </a:p>
+          <a:p>
             <a:r>
               <a:rPr lang="en-US" sz="1200" b="0" i="0" u="none" strike="noStrike" kern="1200" dirty="0">
                 <a:solidFill>
@@ -725,11 +730,10 @@
                 <a:ea typeface="+mn-ea"/>
                 <a:cs typeface="+mn-cs"/>
               </a:rPr>
-              <a:t>you need to definitely know who your audience is.</a:t>
-            </a:r>
-          </a:p>
-          <a:p>
-            <a:pPr fontAlgn="base"/>
+              <a:t>Machine learning projects are highly iterative; as you progress through the ML lifecycle, you’ll find yourself iterating on a section until reaching a satisfactory level of performance, then proceeding forward to the next task</a:t>
+            </a:r>
+          </a:p>
+          <a:p>
             <a:endParaRPr lang="en-US" sz="1200" b="0" i="0" u="none" strike="noStrike" kern="1200" dirty="0">
               <a:solidFill>
                 <a:schemeClr val="tx1"/>
@@ -741,7 +745,6 @@
             </a:endParaRPr>
           </a:p>
           <a:p>
-            <a:pPr fontAlgn="base"/>
             <a:endParaRPr lang="en-US" sz="1200" b="0" i="0" u="none" strike="noStrike" kern="1200" dirty="0">
               <a:solidFill>
                 <a:schemeClr val="tx1"/>
@@ -751,99 +754,6 @@
               <a:ea typeface="+mn-ea"/>
               <a:cs typeface="+mn-cs"/>
             </a:endParaRPr>
-          </a:p>
-          <a:p>
-            <a:pPr fontAlgn="base"/>
-            <a:endParaRPr lang="en-US" sz="1200" b="0" i="0" u="none" strike="noStrike" kern="1200" dirty="0">
-              <a:solidFill>
-                <a:schemeClr val="tx1"/>
-              </a:solidFill>
-              <a:effectLst/>
-              <a:latin typeface="+mn-lt"/>
-              <a:ea typeface="+mn-ea"/>
-              <a:cs typeface="+mn-cs"/>
-            </a:endParaRPr>
-          </a:p>
-          <a:p>
-            <a:pPr fontAlgn="base"/>
-            <a:r>
-              <a:rPr lang="en-US" sz="1200" b="0" i="0" u="none" strike="noStrike" kern="1200" dirty="0">
-                <a:solidFill>
-                  <a:schemeClr val="tx1"/>
-                </a:solidFill>
-                <a:effectLst/>
-                <a:latin typeface="+mn-lt"/>
-                <a:ea typeface="+mn-ea"/>
-                <a:cs typeface="+mn-cs"/>
-              </a:rPr>
-              <a:t>What is the exact goal of project?</a:t>
-            </a:r>
-          </a:p>
-          <a:p>
-            <a:pPr fontAlgn="base"/>
-            <a:r>
-              <a:rPr lang="en-US" sz="1200" b="0" i="0" u="none" strike="noStrike" kern="1200" dirty="0">
-                <a:solidFill>
-                  <a:schemeClr val="tx1"/>
-                </a:solidFill>
-                <a:effectLst/>
-                <a:latin typeface="+mn-lt"/>
-                <a:ea typeface="+mn-ea"/>
-                <a:cs typeface="+mn-cs"/>
-              </a:rPr>
-              <a:t>Why am I spending time/resources on it?</a:t>
-            </a:r>
-          </a:p>
-          <a:p>
-            <a:pPr fontAlgn="base"/>
-            <a:r>
-              <a:rPr lang="en-US" sz="1200" b="0" i="0" u="none" strike="noStrike" kern="1200" dirty="0">
-                <a:solidFill>
-                  <a:schemeClr val="tx1"/>
-                </a:solidFill>
-                <a:effectLst/>
-                <a:latin typeface="+mn-lt"/>
-                <a:ea typeface="+mn-ea"/>
-                <a:cs typeface="+mn-cs"/>
-              </a:rPr>
-              <a:t>How can you check whether the project delivered what you expected?</a:t>
-            </a:r>
-          </a:p>
-          <a:p>
-            <a:pPr fontAlgn="base"/>
-            <a:r>
-              <a:rPr lang="en-US" sz="1200" b="0" i="0" u="none" strike="noStrike" kern="1200" dirty="0">
-                <a:solidFill>
-                  <a:schemeClr val="tx1"/>
-                </a:solidFill>
-                <a:effectLst/>
-                <a:latin typeface="+mn-lt"/>
-                <a:ea typeface="+mn-ea"/>
-                <a:cs typeface="+mn-cs"/>
-              </a:rPr>
-              <a:t>What is the expected timeline?</a:t>
-            </a:r>
-          </a:p>
-          <a:p>
-            <a:pPr fontAlgn="base"/>
-            <a:r>
-              <a:rPr lang="en-US" sz="1200" b="0" i="0" u="none" strike="noStrike" kern="1200" dirty="0">
-                <a:solidFill>
-                  <a:schemeClr val="tx1"/>
-                </a:solidFill>
-                <a:effectLst/>
-                <a:latin typeface="+mn-lt"/>
-                <a:ea typeface="+mn-ea"/>
-                <a:cs typeface="+mn-cs"/>
-              </a:rPr>
-              <a:t>How much are you willing to spend (time/resource)?</a:t>
-            </a:r>
-          </a:p>
-          <a:p>
-            <a:endParaRPr lang="en-US" dirty="0"/>
-          </a:p>
-          <a:p>
-            <a:endParaRPr lang="en-US" dirty="0"/>
           </a:p>
           <a:p>
             <a:pPr marL="0" marR="0" lvl="0" indent="0" algn="l" defTabSz="914400" rtl="0" eaLnBrk="1" fontAlgn="auto" latinLnBrk="0" hangingPunct="1">
@@ -864,11 +774,7 @@
               <a:defRPr/>
             </a:pPr>
             <a:r>
-              <a:rPr lang="en-US" dirty="0"/>
-              <a:t>Problems with communication </a:t>
-            </a:r>
-            <a:r>
-              <a:rPr lang="en-US" sz="1200" b="0" i="0" u="none" strike="noStrike" kern="1200" dirty="0">
+              <a:rPr lang="en-US" sz="1200" kern="1200" dirty="0">
                 <a:solidFill>
                   <a:schemeClr val="tx1"/>
                 </a:solidFill>
@@ -877,127 +783,12 @@
                 <a:ea typeface="+mn-ea"/>
                 <a:cs typeface="+mn-cs"/>
               </a:rPr>
-              <a:t>Omitting/</a:t>
-            </a:r>
-            <a:r>
-              <a:rPr lang="en-US" sz="1200" b="1" i="0" u="none" strike="noStrike" kern="1200" dirty="0">
-                <a:solidFill>
-                  <a:schemeClr val="tx1"/>
-                </a:solidFill>
-                <a:effectLst/>
-                <a:latin typeface="+mn-lt"/>
-                <a:ea typeface="+mn-ea"/>
-                <a:cs typeface="+mn-cs"/>
-              </a:rPr>
-              <a:t>glossing over any key assumptions </a:t>
-            </a:r>
-            <a:r>
-              <a:rPr lang="en-US" sz="1200" b="0" i="0" u="none" strike="noStrike" kern="1200" dirty="0">
-                <a:solidFill>
-                  <a:schemeClr val="tx1"/>
-                </a:solidFill>
-                <a:effectLst/>
-                <a:latin typeface="+mn-lt"/>
-                <a:ea typeface="+mn-ea"/>
-                <a:cs typeface="+mn-cs"/>
-              </a:rPr>
-              <a:t>made during the analysis</a:t>
-            </a:r>
-          </a:p>
-          <a:p>
-            <a:pPr marL="0" marR="0" lvl="0" indent="0" algn="l" defTabSz="914400" rtl="0" eaLnBrk="1" fontAlgn="auto" latinLnBrk="0" hangingPunct="1">
-              <a:lnSpc>
-                <a:spcPct val="100000"/>
-              </a:lnSpc>
-              <a:spcBef>
-                <a:spcPts val="0"/>
-              </a:spcBef>
-              <a:spcAft>
-                <a:spcPts val="0"/>
-              </a:spcAft>
-              <a:buClrTx/>
-              <a:buSzTx/>
-              <a:buFontTx/>
-              <a:buNone/>
-              <a:tabLst/>
-              <a:defRPr/>
-            </a:pPr>
-            <a:r>
-              <a:rPr lang="en-US" sz="1200" b="0" i="0" u="none" strike="noStrike" kern="1200" dirty="0">
-                <a:solidFill>
-                  <a:schemeClr val="tx1"/>
-                </a:solidFill>
-                <a:effectLst/>
-                <a:latin typeface="+mn-lt"/>
-                <a:ea typeface="+mn-ea"/>
-                <a:cs typeface="+mn-cs"/>
-              </a:rPr>
-              <a:t>Recycling the same presentation for different audiences</a:t>
-            </a:r>
-          </a:p>
-          <a:p>
-            <a:pPr marL="0" marR="0" lvl="0" indent="0" algn="l" defTabSz="914400" rtl="0" eaLnBrk="1" fontAlgn="auto" latinLnBrk="0" hangingPunct="1">
-              <a:lnSpc>
-                <a:spcPct val="100000"/>
-              </a:lnSpc>
-              <a:spcBef>
-                <a:spcPts val="0"/>
-              </a:spcBef>
-              <a:spcAft>
-                <a:spcPts val="0"/>
-              </a:spcAft>
-              <a:buClrTx/>
-              <a:buSzTx/>
-              <a:buFontTx/>
-              <a:buNone/>
-              <a:tabLst/>
-              <a:defRPr/>
-            </a:pPr>
-            <a:r>
-              <a:rPr lang="en-US" sz="1200" b="1" i="0" u="none" strike="noStrike" kern="1200" dirty="0">
-                <a:solidFill>
-                  <a:schemeClr val="tx1"/>
-                </a:solidFill>
-                <a:effectLst/>
-                <a:latin typeface="+mn-lt"/>
-                <a:ea typeface="+mn-ea"/>
-                <a:cs typeface="+mn-cs"/>
-              </a:rPr>
-              <a:t>Saving all insights </a:t>
-            </a:r>
-            <a:r>
-              <a:rPr lang="en-US" sz="1200" b="1" i="1" u="none" strike="noStrike" kern="1200" dirty="0">
-                <a:solidFill>
-                  <a:schemeClr val="tx1"/>
-                </a:solidFill>
-                <a:effectLst/>
-                <a:latin typeface="+mn-lt"/>
-                <a:ea typeface="+mn-ea"/>
-                <a:cs typeface="+mn-cs"/>
-              </a:rPr>
-              <a:t>until a final presentation</a:t>
-            </a:r>
-            <a:r>
-              <a:rPr lang="en-US" sz="1200" b="1" i="0" u="none" strike="noStrike" kern="1200" dirty="0">
-                <a:solidFill>
-                  <a:schemeClr val="tx1"/>
-                </a:solidFill>
-                <a:effectLst/>
-                <a:latin typeface="+mn-lt"/>
-                <a:ea typeface="+mn-ea"/>
-                <a:cs typeface="+mn-cs"/>
-              </a:rPr>
-              <a:t> instead of making the process piecemeal and iterative</a:t>
-            </a:r>
-            <a:endParaRPr lang="en-US" sz="1200" b="0" i="0" u="none" strike="noStrike" kern="1200" dirty="0">
-              <a:solidFill>
-                <a:schemeClr val="tx1"/>
-              </a:solidFill>
-              <a:effectLst/>
-              <a:latin typeface="+mn-lt"/>
-              <a:ea typeface="+mn-ea"/>
-              <a:cs typeface="+mn-cs"/>
-            </a:endParaRPr>
+              <a:t>One of the things that makes ML systems so fascinating is that they often interact directly with the external world. Experience has shown that the external world is rarely stable. This background rate of change creates ongoing maintenance cost. </a:t>
+            </a:r>
+            <a:endParaRPr lang="en-US" dirty="0"/>
+          </a:p>
+          <a:p>
+            <a:endParaRPr lang="en-US" dirty="0"/>
           </a:p>
           <a:p>
             <a:endParaRPr lang="en-US" dirty="0"/>
@@ -1030,7 +821,7 @@
     </p:spTree>
     <p:extLst>
       <p:ext uri="{BB962C8B-B14F-4D97-AF65-F5344CB8AC3E}">
-        <p14:creationId xmlns:p14="http://schemas.microsoft.com/office/powerpoint/2010/main" val="1536765332"/>
+        <p14:creationId xmlns:p14="http://schemas.microsoft.com/office/powerpoint/2010/main" val="3364373977"/>
       </p:ext>
     </p:extLst>
   </p:cSld>
@@ -1084,12 +875,7 @@
           <a:bodyPr/>
           <a:lstStyle/>
           <a:p>
-            <a:endParaRPr lang="en-US" dirty="0"/>
-          </a:p>
-          <a:p>
-            <a:endParaRPr lang="en-US" dirty="0"/>
-          </a:p>
-          <a:p>
+            <a:pPr fontAlgn="base"/>
             <a:r>
               <a:rPr lang="en-US" sz="1200" b="0" i="0" u="none" strike="noStrike" kern="1200" dirty="0">
                 <a:solidFill>
@@ -1100,10 +886,11 @@
                 <a:ea typeface="+mn-ea"/>
                 <a:cs typeface="+mn-cs"/>
               </a:rPr>
-              <a:t>Machine learning projects are highly iterative; as you progress through the ML lifecycle, you’ll find yourself iterating on a section until reaching a satisfactory level of performance, then proceeding forward to the next task</a:t>
-            </a:r>
-          </a:p>
-          <a:p>
+              <a:t>you need to definitely know who your audience is.</a:t>
+            </a:r>
+          </a:p>
+          <a:p>
+            <a:pPr fontAlgn="base"/>
             <a:endParaRPr lang="en-US" sz="1200" b="0" i="0" u="none" strike="noStrike" kern="1200" dirty="0">
               <a:solidFill>
                 <a:schemeClr val="tx1"/>
@@ -1115,6 +902,7 @@
             </a:endParaRPr>
           </a:p>
           <a:p>
+            <a:pPr fontAlgn="base"/>
             <a:endParaRPr lang="en-US" sz="1200" b="0" i="0" u="none" strike="noStrike" kern="1200" dirty="0">
               <a:solidFill>
                 <a:schemeClr val="tx1"/>
@@ -1124,6 +912,99 @@
               <a:ea typeface="+mn-ea"/>
               <a:cs typeface="+mn-cs"/>
             </a:endParaRPr>
+          </a:p>
+          <a:p>
+            <a:pPr fontAlgn="base"/>
+            <a:endParaRPr lang="en-US" sz="1200" b="0" i="0" u="none" strike="noStrike" kern="1200" dirty="0">
+              <a:solidFill>
+                <a:schemeClr val="tx1"/>
+              </a:solidFill>
+              <a:effectLst/>
+              <a:latin typeface="+mn-lt"/>
+              <a:ea typeface="+mn-ea"/>
+              <a:cs typeface="+mn-cs"/>
+            </a:endParaRPr>
+          </a:p>
+          <a:p>
+            <a:pPr fontAlgn="base"/>
+            <a:r>
+              <a:rPr lang="en-US" sz="1200" b="0" i="0" u="none" strike="noStrike" kern="1200" dirty="0">
+                <a:solidFill>
+                  <a:schemeClr val="tx1"/>
+                </a:solidFill>
+                <a:effectLst/>
+                <a:latin typeface="+mn-lt"/>
+                <a:ea typeface="+mn-ea"/>
+                <a:cs typeface="+mn-cs"/>
+              </a:rPr>
+              <a:t>What is the exact goal of project?</a:t>
+            </a:r>
+          </a:p>
+          <a:p>
+            <a:pPr fontAlgn="base"/>
+            <a:r>
+              <a:rPr lang="en-US" sz="1200" b="0" i="0" u="none" strike="noStrike" kern="1200" dirty="0">
+                <a:solidFill>
+                  <a:schemeClr val="tx1"/>
+                </a:solidFill>
+                <a:effectLst/>
+                <a:latin typeface="+mn-lt"/>
+                <a:ea typeface="+mn-ea"/>
+                <a:cs typeface="+mn-cs"/>
+              </a:rPr>
+              <a:t>Why am I spending time/resources on it?</a:t>
+            </a:r>
+          </a:p>
+          <a:p>
+            <a:pPr fontAlgn="base"/>
+            <a:r>
+              <a:rPr lang="en-US" sz="1200" b="0" i="0" u="none" strike="noStrike" kern="1200" dirty="0">
+                <a:solidFill>
+                  <a:schemeClr val="tx1"/>
+                </a:solidFill>
+                <a:effectLst/>
+                <a:latin typeface="+mn-lt"/>
+                <a:ea typeface="+mn-ea"/>
+                <a:cs typeface="+mn-cs"/>
+              </a:rPr>
+              <a:t>How can you check whether the project delivered what you expected?</a:t>
+            </a:r>
+          </a:p>
+          <a:p>
+            <a:pPr fontAlgn="base"/>
+            <a:r>
+              <a:rPr lang="en-US" sz="1200" b="0" i="0" u="none" strike="noStrike" kern="1200" dirty="0">
+                <a:solidFill>
+                  <a:schemeClr val="tx1"/>
+                </a:solidFill>
+                <a:effectLst/>
+                <a:latin typeface="+mn-lt"/>
+                <a:ea typeface="+mn-ea"/>
+                <a:cs typeface="+mn-cs"/>
+              </a:rPr>
+              <a:t>What is the expected timeline?</a:t>
+            </a:r>
+          </a:p>
+          <a:p>
+            <a:pPr fontAlgn="base"/>
+            <a:r>
+              <a:rPr lang="en-US" sz="1200" b="0" i="0" u="none" strike="noStrike" kern="1200" dirty="0">
+                <a:solidFill>
+                  <a:schemeClr val="tx1"/>
+                </a:solidFill>
+                <a:effectLst/>
+                <a:latin typeface="+mn-lt"/>
+                <a:ea typeface="+mn-ea"/>
+                <a:cs typeface="+mn-cs"/>
+              </a:rPr>
+              <a:t>How much are you willing to spend (time/resource)?</a:t>
+            </a:r>
+          </a:p>
+          <a:p>
+            <a:endParaRPr lang="en-US" dirty="0"/>
+          </a:p>
+          <a:p>
+            <a:endParaRPr lang="en-US" dirty="0"/>
           </a:p>
           <a:p>
             <a:pPr marL="0" marR="0" lvl="0" indent="0" algn="l" defTabSz="914400" rtl="0" eaLnBrk="1" fontAlgn="auto" latinLnBrk="0" hangingPunct="1">
@@ -1144,7 +1025,11 @@
               <a:defRPr/>
             </a:pPr>
             <a:r>
-              <a:rPr lang="en-US" sz="1200" kern="1200" dirty="0">
+              <a:rPr lang="en-US" dirty="0"/>
+              <a:t>Problems with communication </a:t>
+            </a:r>
+            <a:r>
+              <a:rPr lang="en-US" sz="1200" b="0" i="0" u="none" strike="noStrike" kern="1200" dirty="0">
                 <a:solidFill>
                   <a:schemeClr val="tx1"/>
                 </a:solidFill>
@@ -1153,12 +1038,127 @@
                 <a:ea typeface="+mn-ea"/>
                 <a:cs typeface="+mn-cs"/>
               </a:rPr>
-              <a:t>One of the things that makes ML systems so fascinating is that they often interact directly with the external world. Experience has shown that the external world is rarely stable. This background rate of change creates ongoing maintenance cost. </a:t>
-            </a:r>
-            <a:endParaRPr lang="en-US" dirty="0"/>
-          </a:p>
-          <a:p>
-            <a:endParaRPr lang="en-US" dirty="0"/>
+              <a:t>Omitting/</a:t>
+            </a:r>
+            <a:r>
+              <a:rPr lang="en-US" sz="1200" b="1" i="0" u="none" strike="noStrike" kern="1200" dirty="0">
+                <a:solidFill>
+                  <a:schemeClr val="tx1"/>
+                </a:solidFill>
+                <a:effectLst/>
+                <a:latin typeface="+mn-lt"/>
+                <a:ea typeface="+mn-ea"/>
+                <a:cs typeface="+mn-cs"/>
+              </a:rPr>
+              <a:t>glossing over any key assumptions </a:t>
+            </a:r>
+            <a:r>
+              <a:rPr lang="en-US" sz="1200" b="0" i="0" u="none" strike="noStrike" kern="1200" dirty="0">
+                <a:solidFill>
+                  <a:schemeClr val="tx1"/>
+                </a:solidFill>
+                <a:effectLst/>
+                <a:latin typeface="+mn-lt"/>
+                <a:ea typeface="+mn-ea"/>
+                <a:cs typeface="+mn-cs"/>
+              </a:rPr>
+              <a:t>made during the analysis</a:t>
+            </a:r>
+          </a:p>
+          <a:p>
+            <a:pPr marL="0" marR="0" lvl="0" indent="0" algn="l" defTabSz="914400" rtl="0" eaLnBrk="1" fontAlgn="auto" latinLnBrk="0" hangingPunct="1">
+              <a:lnSpc>
+                <a:spcPct val="100000"/>
+              </a:lnSpc>
+              <a:spcBef>
+                <a:spcPts val="0"/>
+              </a:spcBef>
+              <a:spcAft>
+                <a:spcPts val="0"/>
+              </a:spcAft>
+              <a:buClrTx/>
+              <a:buSzTx/>
+              <a:buFontTx/>
+              <a:buNone/>
+              <a:tabLst/>
+              <a:defRPr/>
+            </a:pPr>
+            <a:r>
+              <a:rPr lang="en-US" sz="1200" b="0" i="0" u="none" strike="noStrike" kern="1200" dirty="0">
+                <a:solidFill>
+                  <a:schemeClr val="tx1"/>
+                </a:solidFill>
+                <a:effectLst/>
+                <a:latin typeface="+mn-lt"/>
+                <a:ea typeface="+mn-ea"/>
+                <a:cs typeface="+mn-cs"/>
+              </a:rPr>
+              <a:t>Recycling the same presentation for different audiences</a:t>
+            </a:r>
+          </a:p>
+          <a:p>
+            <a:pPr marL="0" marR="0" lvl="0" indent="0" algn="l" defTabSz="914400" rtl="0" eaLnBrk="1" fontAlgn="auto" latinLnBrk="0" hangingPunct="1">
+              <a:lnSpc>
+                <a:spcPct val="100000"/>
+              </a:lnSpc>
+              <a:spcBef>
+                <a:spcPts val="0"/>
+              </a:spcBef>
+              <a:spcAft>
+                <a:spcPts val="0"/>
+              </a:spcAft>
+              <a:buClrTx/>
+              <a:buSzTx/>
+              <a:buFontTx/>
+              <a:buNone/>
+              <a:tabLst/>
+              <a:defRPr/>
+            </a:pPr>
+            <a:r>
+              <a:rPr lang="en-US" sz="1200" b="1" i="0" u="none" strike="noStrike" kern="1200" dirty="0">
+                <a:solidFill>
+                  <a:schemeClr val="tx1"/>
+                </a:solidFill>
+                <a:effectLst/>
+                <a:latin typeface="+mn-lt"/>
+                <a:ea typeface="+mn-ea"/>
+                <a:cs typeface="+mn-cs"/>
+              </a:rPr>
+              <a:t>Saving all insights </a:t>
+            </a:r>
+            <a:r>
+              <a:rPr lang="en-US" sz="1200" b="1" i="1" u="none" strike="noStrike" kern="1200" dirty="0">
+                <a:solidFill>
+                  <a:schemeClr val="tx1"/>
+                </a:solidFill>
+                <a:effectLst/>
+                <a:latin typeface="+mn-lt"/>
+                <a:ea typeface="+mn-ea"/>
+                <a:cs typeface="+mn-cs"/>
+              </a:rPr>
+              <a:t>until a final presentation</a:t>
+            </a:r>
+            <a:r>
+              <a:rPr lang="en-US" sz="1200" b="1" i="0" u="none" strike="noStrike" kern="1200" dirty="0">
+                <a:solidFill>
+                  <a:schemeClr val="tx1"/>
+                </a:solidFill>
+                <a:effectLst/>
+                <a:latin typeface="+mn-lt"/>
+                <a:ea typeface="+mn-ea"/>
+                <a:cs typeface="+mn-cs"/>
+              </a:rPr>
+              <a:t> instead of making the process piecemeal and iterative</a:t>
+            </a:r>
+            <a:endParaRPr lang="en-US" sz="1200" b="0" i="0" u="none" strike="noStrike" kern="1200" dirty="0">
+              <a:solidFill>
+                <a:schemeClr val="tx1"/>
+              </a:solidFill>
+              <a:effectLst/>
+              <a:latin typeface="+mn-lt"/>
+              <a:ea typeface="+mn-ea"/>
+              <a:cs typeface="+mn-cs"/>
+            </a:endParaRPr>
           </a:p>
           <a:p>
             <a:endParaRPr lang="en-US" dirty="0"/>
@@ -1191,7 +1191,7 @@
     </p:spTree>
     <p:extLst>
       <p:ext uri="{BB962C8B-B14F-4D97-AF65-F5344CB8AC3E}">
-        <p14:creationId xmlns:p14="http://schemas.microsoft.com/office/powerpoint/2010/main" val="3364373977"/>
+        <p14:creationId xmlns:p14="http://schemas.microsoft.com/office/powerpoint/2010/main" val="1536765332"/>
       </p:ext>
     </p:extLst>
   </p:cSld>
@@ -4887,7 +4887,7 @@
           <a:p>
             <a:r>
               <a:rPr lang="en-US" dirty="0"/>
-              <a:t>Don’t expect Machine learning to figure out what problems to solve</a:t>
+              <a:t>Don’t expect ML to figure out what problems to solve</a:t>
             </a:r>
           </a:p>
           <a:p>
@@ -4956,6 +4956,35 @@
           <a:chExt cx="0" cy="0"/>
         </a:xfrm>
       </p:grpSpPr>
+      <p:pic>
+        <p:nvPicPr>
+          <p:cNvPr id="8" name="Picture 7">
+            <a:extLst>
+              <a:ext uri="{FF2B5EF4-FFF2-40B4-BE49-F238E27FC236}">
+                <a16:creationId xmlns:a16="http://schemas.microsoft.com/office/drawing/2014/main" id="{7F65B873-85C7-0F4D-9F5B-F2916025D487}"/>
+              </a:ext>
+            </a:extLst>
+          </p:cNvPr>
+          <p:cNvPicPr>
+            <a:picLocks noChangeAspect="1"/>
+          </p:cNvPicPr>
+          <p:nvPr/>
+        </p:nvPicPr>
+        <p:blipFill rotWithShape="1">
+          <a:blip r:embed="rId3"/>
+          <a:srcRect t="11664"/>
+          <a:stretch/>
+        </p:blipFill>
+        <p:spPr>
+          <a:xfrm>
+            <a:off x="4997935" y="1282473"/>
+            <a:ext cx="8039240" cy="4554991"/>
+          </a:xfrm>
+          <a:prstGeom prst="rect">
+            <a:avLst/>
+          </a:prstGeom>
+        </p:spPr>
+      </p:pic>
       <p:sp>
         <p:nvSpPr>
           <p:cNvPr id="2" name="Title 1">
@@ -4979,7 +5008,7 @@
           <a:p>
             <a:r>
               <a:rPr lang="en-US" dirty="0"/>
-              <a:t>Know your Audience</a:t>
+              <a:t>Iterate!</a:t>
             </a:r>
           </a:p>
         </p:txBody>
@@ -5009,19 +5038,16 @@
           <a:p>
             <a:r>
               <a:rPr lang="en-US" dirty="0"/>
-              <a:t>Ask the right questions</a:t>
+              <a:t>Start simple, then add complexity</a:t>
             </a:r>
           </a:p>
           <a:p>
             <a:r>
               <a:rPr lang="en-US" dirty="0"/>
-              <a:t>Clearly communicate results</a:t>
-            </a:r>
-          </a:p>
-          <a:p>
-            <a:pPr marL="0" indent="0">
-              <a:buNone/>
-            </a:pPr>
+              <a:t>Get feedback as frequently as you can</a:t>
+            </a:r>
+          </a:p>
+          <a:p>
             <a:endParaRPr lang="en-US" dirty="0"/>
           </a:p>
         </p:txBody>
@@ -5048,13 +5074,55 @@
           <a:lstStyle/>
           <a:p>
             <a:endParaRPr lang="en-US"/>
+          </a:p>
+        </p:txBody>
+      </p:sp>
+      <p:sp>
+        <p:nvSpPr>
+          <p:cNvPr id="7" name="Rectangle 6">
+            <a:extLst>
+              <a:ext uri="{FF2B5EF4-FFF2-40B4-BE49-F238E27FC236}">
+                <a16:creationId xmlns:a16="http://schemas.microsoft.com/office/drawing/2014/main" id="{B140EC37-CDD4-0C44-B718-FE7BECF94E93}"/>
+              </a:ext>
+            </a:extLst>
+          </p:cNvPr>
+          <p:cNvSpPr/>
+          <p:nvPr/>
+        </p:nvSpPr>
+        <p:spPr>
+          <a:xfrm>
+            <a:off x="7719317" y="5837464"/>
+            <a:ext cx="3281219" cy="276999"/>
+          </a:xfrm>
+          <a:prstGeom prst="rect">
+            <a:avLst/>
+          </a:prstGeom>
+        </p:spPr>
+        <p:txBody>
+          <a:bodyPr wrap="none">
+            <a:spAutoFit/>
+          </a:bodyPr>
+          <a:lstStyle/>
+          <a:p>
+            <a:r>
+              <a:rPr lang="en-US" sz="1200" dirty="0"/>
+              <a:t>https://</a:t>
+            </a:r>
+            <a:r>
+              <a:rPr lang="en-US" sz="1200" dirty="0" err="1"/>
+              <a:t>www.jeremyjordan.me</a:t>
+            </a:r>
+            <a:r>
+              <a:rPr lang="en-US" sz="1200" dirty="0"/>
+              <a:t>/ml-projects-guide/</a:t>
+            </a:r>
           </a:p>
         </p:txBody>
       </p:sp>
     </p:spTree>
     <p:extLst>
       <p:ext uri="{BB962C8B-B14F-4D97-AF65-F5344CB8AC3E}">
-        <p14:creationId xmlns:p14="http://schemas.microsoft.com/office/powerpoint/2010/main" val="1872151657"/>
+        <p14:creationId xmlns:p14="http://schemas.microsoft.com/office/powerpoint/2010/main" val="4168104231"/>
       </p:ext>
     </p:extLst>
   </p:cSld>
@@ -5081,35 +5149,6 @@
           <a:chExt cx="0" cy="0"/>
         </a:xfrm>
       </p:grpSpPr>
-      <p:pic>
-        <p:nvPicPr>
-          <p:cNvPr id="8" name="Picture 7">
-            <a:extLst>
-              <a:ext uri="{FF2B5EF4-FFF2-40B4-BE49-F238E27FC236}">
-                <a16:creationId xmlns:a16="http://schemas.microsoft.com/office/drawing/2014/main" id="{7F65B873-85C7-0F4D-9F5B-F2916025D487}"/>
-              </a:ext>
-            </a:extLst>
-          </p:cNvPr>
-          <p:cNvPicPr>
-            <a:picLocks noChangeAspect="1"/>
-          </p:cNvPicPr>
-          <p:nvPr/>
-        </p:nvPicPr>
-        <p:blipFill rotWithShape="1">
-          <a:blip r:embed="rId3"/>
-          <a:srcRect t="11664"/>
-          <a:stretch/>
-        </p:blipFill>
-        <p:spPr>
-          <a:xfrm>
-            <a:off x="4997935" y="1282473"/>
-            <a:ext cx="8039240" cy="4554991"/>
-          </a:xfrm>
-          <a:prstGeom prst="rect">
-            <a:avLst/>
-          </a:prstGeom>
-        </p:spPr>
-      </p:pic>
       <p:sp>
         <p:nvSpPr>
           <p:cNvPr id="2" name="Title 1">
@@ -5133,7 +5172,7 @@
           <a:p>
             <a:r>
               <a:rPr lang="en-US" dirty="0"/>
-              <a:t>Iterate!</a:t>
+              <a:t>Know your Audience</a:t>
             </a:r>
           </a:p>
         </p:txBody>
@@ -5163,16 +5202,19 @@
           <a:p>
             <a:r>
               <a:rPr lang="en-US" dirty="0"/>
-              <a:t>Start simple, then add complexity</a:t>
+              <a:t>Ask the right questions</a:t>
             </a:r>
           </a:p>
           <a:p>
             <a:r>
               <a:rPr lang="en-US" dirty="0"/>
-              <a:t>Get feedback as frequently as you can</a:t>
-            </a:r>
-          </a:p>
-          <a:p>
+              <a:t>Clearly communicate results</a:t>
+            </a:r>
+          </a:p>
+          <a:p>
+            <a:pPr marL="0" indent="0">
+              <a:buNone/>
+            </a:pPr>
             <a:endParaRPr lang="en-US" dirty="0"/>
           </a:p>
         </p:txBody>
@@ -5199,55 +5241,13 @@
           <a:lstStyle/>
           <a:p>
             <a:endParaRPr lang="en-US"/>
-          </a:p>
-        </p:txBody>
-      </p:sp>
-      <p:sp>
-        <p:nvSpPr>
-          <p:cNvPr id="7" name="Rectangle 6">
-            <a:extLst>
-              <a:ext uri="{FF2B5EF4-FFF2-40B4-BE49-F238E27FC236}">
-                <a16:creationId xmlns:a16="http://schemas.microsoft.com/office/drawing/2014/main" id="{B140EC37-CDD4-0C44-B718-FE7BECF94E93}"/>
-              </a:ext>
-            </a:extLst>
-          </p:cNvPr>
-          <p:cNvSpPr/>
-          <p:nvPr/>
-        </p:nvSpPr>
-        <p:spPr>
-          <a:xfrm>
-            <a:off x="7719317" y="5837464"/>
-            <a:ext cx="3281219" cy="276999"/>
-          </a:xfrm>
-          <a:prstGeom prst="rect">
-            <a:avLst/>
-          </a:prstGeom>
-        </p:spPr>
-        <p:txBody>
-          <a:bodyPr wrap="none">
-            <a:spAutoFit/>
-          </a:bodyPr>
-          <a:lstStyle/>
-          <a:p>
-            <a:r>
-              <a:rPr lang="en-US" sz="1200" dirty="0"/>
-              <a:t>https://</a:t>
-            </a:r>
-            <a:r>
-              <a:rPr lang="en-US" sz="1200" dirty="0" err="1"/>
-              <a:t>www.jeremyjordan.me</a:t>
-            </a:r>
-            <a:r>
-              <a:rPr lang="en-US" sz="1200" dirty="0"/>
-              <a:t>/ml-projects-guide/</a:t>
-            </a:r>
           </a:p>
         </p:txBody>
       </p:sp>
     </p:spTree>
     <p:extLst>
       <p:ext uri="{BB962C8B-B14F-4D97-AF65-F5344CB8AC3E}">
-        <p14:creationId xmlns:p14="http://schemas.microsoft.com/office/powerpoint/2010/main" val="4168104231"/>
+        <p14:creationId xmlns:p14="http://schemas.microsoft.com/office/powerpoint/2010/main" val="1872151657"/>
       </p:ext>
     </p:extLst>
   </p:cSld>

--- a/course slides/week_06.pptx
+++ b/course slides/week_06.pptx
@@ -5,15 +5,19 @@
     <p:sldMasterId id="2147483648" r:id="rId1"/>
   </p:sldMasterIdLst>
   <p:notesMasterIdLst>
-    <p:notesMasterId r:id="rId8"/>
+    <p:notesMasterId r:id="rId12"/>
   </p:notesMasterIdLst>
   <p:sldIdLst>
     <p:sldId id="256" r:id="rId2"/>
     <p:sldId id="273" r:id="rId3"/>
-    <p:sldId id="278" r:id="rId4"/>
-    <p:sldId id="274" r:id="rId5"/>
-    <p:sldId id="277" r:id="rId6"/>
-    <p:sldId id="280" r:id="rId7"/>
+    <p:sldId id="274" r:id="rId4"/>
+    <p:sldId id="275" r:id="rId5"/>
+    <p:sldId id="276" r:id="rId6"/>
+    <p:sldId id="278" r:id="rId7"/>
+    <p:sldId id="277" r:id="rId8"/>
+    <p:sldId id="279" r:id="rId9"/>
+    <p:sldId id="282" r:id="rId10"/>
+    <p:sldId id="283" r:id="rId11"/>
   </p:sldIdLst>
   <p:sldSz cx="12192000" cy="6858000"/>
   <p:notesSz cx="6858000" cy="9144000"/>
@@ -202,7 +206,7 @@
           <a:p>
             <a:fld id="{E7BF058D-E663-3E48-99D5-AFD0BCA1823C}" type="datetimeFigureOut">
               <a:rPr lang="en-US" smtClean="0"/>
-              <a:t>9/27/20</a:t>
+              <a:t>10/12/20</a:t>
             </a:fld>
             <a:endParaRPr lang="en-US"/>
           </a:p>
@@ -513,23 +517,6 @@
           <a:bodyPr/>
           <a:lstStyle/>
           <a:p>
-            <a:pPr marL="0" marR="0" lvl="0" indent="0" algn="l" defTabSz="914400" rtl="0" eaLnBrk="1" fontAlgn="auto" latinLnBrk="0" hangingPunct="1">
-              <a:lnSpc>
-                <a:spcPct val="100000"/>
-              </a:lnSpc>
-              <a:spcBef>
-                <a:spcPts val="0"/>
-              </a:spcBef>
-              <a:spcAft>
-                <a:spcPts val="0"/>
-              </a:spcAft>
-              <a:buClrTx/>
-              <a:buSzTx/>
-              <a:buFontTx/>
-              <a:buNone/>
-              <a:tabLst/>
-              <a:defRPr/>
-            </a:pPr>
             <a:r>
               <a:rPr lang="en-US" sz="1200" kern="1200" dirty="0">
                 <a:solidFill>
@@ -540,8 +527,120 @@
                 <a:ea typeface="+mn-ea"/>
                 <a:cs typeface="+mn-cs"/>
               </a:rPr>
-              <a:t>only a tiny fraction of the code in many ML systems is actually devoted to learning or prediction</a:t>
-            </a:r>
+              <a:t>R2: </a:t>
+            </a:r>
+            <a:r>
+              <a:rPr lang="en-US" sz="1200" b="0" i="0" u="none" strike="noStrike" kern="1200" dirty="0">
+                <a:solidFill>
+                  <a:schemeClr val="tx1"/>
+                </a:solidFill>
+                <a:effectLst/>
+                <a:latin typeface="+mn-lt"/>
+                <a:ea typeface="+mn-ea"/>
+                <a:cs typeface="+mn-cs"/>
+              </a:rPr>
+              <a:t>coefficient of determination –</a:t>
+            </a:r>
+          </a:p>
+          <a:p>
+            <a:r>
+              <a:rPr lang="en-US" sz="1200" b="0" i="0" u="none" strike="noStrike" kern="1200" dirty="0">
+                <a:solidFill>
+                  <a:schemeClr val="tx1"/>
+                </a:solidFill>
+                <a:effectLst/>
+                <a:latin typeface="+mn-lt"/>
+                <a:ea typeface="+mn-ea"/>
+                <a:cs typeface="+mn-cs"/>
+              </a:rPr>
+              <a:t>R Square is calculated by the sum of squared of prediction error divided by the total sum of square which replace the calculated prediction with mean. </a:t>
+            </a:r>
+          </a:p>
+          <a:p>
+            <a:endParaRPr lang="en-US" sz="1200" b="0" i="0" u="none" strike="noStrike" kern="1200" dirty="0">
+              <a:solidFill>
+                <a:schemeClr val="tx1"/>
+              </a:solidFill>
+              <a:effectLst/>
+              <a:latin typeface="+mn-lt"/>
+              <a:ea typeface="+mn-ea"/>
+              <a:cs typeface="+mn-cs"/>
+            </a:endParaRPr>
+          </a:p>
+          <a:p>
+            <a:r>
+              <a:rPr lang="en-US" sz="1200" b="0" i="0" u="none" strike="noStrike" kern="1200" dirty="0">
+                <a:solidFill>
+                  <a:schemeClr val="tx1"/>
+                </a:solidFill>
+                <a:effectLst/>
+                <a:latin typeface="+mn-lt"/>
+                <a:ea typeface="+mn-ea"/>
+                <a:cs typeface="+mn-cs"/>
+              </a:rPr>
+              <a:t> Best possible score is 1.0 and it can be negative (because the model can be arbitrarily worse). A constant model that always predicts the expected value of y, disregarding the input features, would get a R^2 score of 0.0.</a:t>
+            </a:r>
+          </a:p>
+          <a:p>
+            <a:br>
+              <a:rPr lang="en-US" dirty="0"/>
+            </a:br>
+            <a:r>
+              <a:rPr lang="en-US" dirty="0"/>
+              <a:t>MSE: easy to relate to input – measure </a:t>
+            </a:r>
+            <a:r>
+              <a:rPr lang="en-US" sz="1200" b="0" i="0" u="none" strike="noStrike" kern="1200" dirty="0">
+                <a:solidFill>
+                  <a:schemeClr val="tx1"/>
+                </a:solidFill>
+                <a:effectLst/>
+                <a:latin typeface="+mn-lt"/>
+                <a:ea typeface="+mn-ea"/>
+                <a:cs typeface="+mn-cs"/>
+              </a:rPr>
+              <a:t>of how close a fitted line is to data points - the average magnitude of the errors in a set of predictions, without considering their direction.</a:t>
+            </a:r>
+          </a:p>
+          <a:p>
+            <a:r>
+              <a:rPr lang="en-US" sz="1200" b="0" i="0" u="none" strike="noStrike" kern="1200" dirty="0" err="1">
+                <a:solidFill>
+                  <a:schemeClr val="tx1"/>
+                </a:solidFill>
+                <a:effectLst/>
+                <a:latin typeface="+mn-lt"/>
+                <a:ea typeface="+mn-ea"/>
+                <a:cs typeface="+mn-cs"/>
+              </a:rPr>
+              <a:t>RMSE:That</a:t>
+            </a:r>
+            <a:r>
+              <a:rPr lang="en-US" sz="1200" b="0" i="0" u="none" strike="noStrike" kern="1200" dirty="0">
+                <a:solidFill>
+                  <a:schemeClr val="tx1"/>
+                </a:solidFill>
+                <a:effectLst/>
+                <a:latin typeface="+mn-lt"/>
+                <a:ea typeface="+mn-ea"/>
+                <a:cs typeface="+mn-cs"/>
+              </a:rPr>
+              <a:t> is probably the most easily interpreted statistic, since it has the same units as the quantity plotted on the vertical axis.</a:t>
+            </a:r>
+          </a:p>
+          <a:p>
+            <a:endParaRPr lang="en-US" dirty="0"/>
+          </a:p>
+          <a:p>
+            <a:endParaRPr lang="en-US" dirty="0"/>
+          </a:p>
+          <a:p>
+            <a:r>
+              <a:rPr lang="en-US" dirty="0"/>
+              <a:t>MAE: more robust</a:t>
+            </a:r>
+          </a:p>
+          <a:p>
             <a:endParaRPr lang="en-US" dirty="0"/>
           </a:p>
           <a:p>
@@ -629,7 +728,6 @@
           <a:bodyPr/>
           <a:lstStyle/>
           <a:p>
-            <a:pPr fontAlgn="base"/>
             <a:endParaRPr lang="en-US" dirty="0"/>
           </a:p>
         </p:txBody>
@@ -660,7 +758,7 @@
     </p:spTree>
     <p:extLst>
       <p:ext uri="{BB962C8B-B14F-4D97-AF65-F5344CB8AC3E}">
-        <p14:creationId xmlns:p14="http://schemas.microsoft.com/office/powerpoint/2010/main" val="3045517347"/>
+        <p14:creationId xmlns:p14="http://schemas.microsoft.com/office/powerpoint/2010/main" val="2142973449"/>
       </p:ext>
     </p:extLst>
   </p:cSld>
@@ -716,83 +814,6 @@
           <a:p>
             <a:endParaRPr lang="en-US" dirty="0"/>
           </a:p>
-          <a:p>
-            <a:endParaRPr lang="en-US" dirty="0"/>
-          </a:p>
-          <a:p>
-            <a:r>
-              <a:rPr lang="en-US" sz="1200" b="0" i="0" u="none" strike="noStrike" kern="1200" dirty="0">
-                <a:solidFill>
-                  <a:schemeClr val="tx1"/>
-                </a:solidFill>
-                <a:effectLst/>
-                <a:latin typeface="+mn-lt"/>
-                <a:ea typeface="+mn-ea"/>
-                <a:cs typeface="+mn-cs"/>
-              </a:rPr>
-              <a:t>Machine learning projects are highly iterative; as you progress through the ML lifecycle, you’ll find yourself iterating on a section until reaching a satisfactory level of performance, then proceeding forward to the next task</a:t>
-            </a:r>
-          </a:p>
-          <a:p>
-            <a:endParaRPr lang="en-US" sz="1200" b="0" i="0" u="none" strike="noStrike" kern="1200" dirty="0">
-              <a:solidFill>
-                <a:schemeClr val="tx1"/>
-              </a:solidFill>
-              <a:effectLst/>
-              <a:latin typeface="+mn-lt"/>
-              <a:ea typeface="+mn-ea"/>
-              <a:cs typeface="+mn-cs"/>
-            </a:endParaRPr>
-          </a:p>
-          <a:p>
-            <a:endParaRPr lang="en-US" sz="1200" b="0" i="0" u="none" strike="noStrike" kern="1200" dirty="0">
-              <a:solidFill>
-                <a:schemeClr val="tx1"/>
-              </a:solidFill>
-              <a:effectLst/>
-              <a:latin typeface="+mn-lt"/>
-              <a:ea typeface="+mn-ea"/>
-              <a:cs typeface="+mn-cs"/>
-            </a:endParaRPr>
-          </a:p>
-          <a:p>
-            <a:pPr marL="0" marR="0" lvl="0" indent="0" algn="l" defTabSz="914400" rtl="0" eaLnBrk="1" fontAlgn="auto" latinLnBrk="0" hangingPunct="1">
-              <a:lnSpc>
-                <a:spcPct val="100000"/>
-              </a:lnSpc>
-              <a:spcBef>
-                <a:spcPts val="0"/>
-              </a:spcBef>
-              <a:spcAft>
-                <a:spcPts val="0"/>
-              </a:spcAft>
-              <a:buClrTx/>
-              <a:buSzTx/>
-              <a:buFontTx/>
-              <a:buNone/>
-              <a:tabLst/>
-              <a:defRPr/>
-            </a:pPr>
-            <a:r>
-              <a:rPr lang="en-US" sz="1200" kern="1200" dirty="0">
-                <a:solidFill>
-                  <a:schemeClr val="tx1"/>
-                </a:solidFill>
-                <a:effectLst/>
-                <a:latin typeface="+mn-lt"/>
-                <a:ea typeface="+mn-ea"/>
-                <a:cs typeface="+mn-cs"/>
-              </a:rPr>
-              <a:t>One of the things that makes ML systems so fascinating is that they often interact directly with the external world. Experience has shown that the external world is rarely stable. This background rate of change creates ongoing maintenance cost. </a:t>
-            </a:r>
-            <a:endParaRPr lang="en-US" dirty="0"/>
-          </a:p>
-          <a:p>
-            <a:endParaRPr lang="en-US" dirty="0"/>
-          </a:p>
-          <a:p>
-            <a:endParaRPr lang="en-US" dirty="0"/>
-          </a:p>
         </p:txBody>
       </p:sp>
       <p:sp>
@@ -821,7 +842,7 @@
     </p:spTree>
     <p:extLst>
       <p:ext uri="{BB962C8B-B14F-4D97-AF65-F5344CB8AC3E}">
-        <p14:creationId xmlns:p14="http://schemas.microsoft.com/office/powerpoint/2010/main" val="3364373977"/>
+        <p14:creationId xmlns:p14="http://schemas.microsoft.com/office/powerpoint/2010/main" val="1501698455"/>
       </p:ext>
     </p:extLst>
   </p:cSld>
@@ -875,292 +896,6 @@
           <a:bodyPr/>
           <a:lstStyle/>
           <a:p>
-            <a:pPr fontAlgn="base"/>
-            <a:r>
-              <a:rPr lang="en-US" sz="1200" b="0" i="0" u="none" strike="noStrike" kern="1200" dirty="0">
-                <a:solidFill>
-                  <a:schemeClr val="tx1"/>
-                </a:solidFill>
-                <a:effectLst/>
-                <a:latin typeface="+mn-lt"/>
-                <a:ea typeface="+mn-ea"/>
-                <a:cs typeface="+mn-cs"/>
-              </a:rPr>
-              <a:t>you need to definitely know who your audience is.</a:t>
-            </a:r>
-          </a:p>
-          <a:p>
-            <a:pPr fontAlgn="base"/>
-            <a:endParaRPr lang="en-US" sz="1200" b="0" i="0" u="none" strike="noStrike" kern="1200" dirty="0">
-              <a:solidFill>
-                <a:schemeClr val="tx1"/>
-              </a:solidFill>
-              <a:effectLst/>
-              <a:latin typeface="+mn-lt"/>
-              <a:ea typeface="+mn-ea"/>
-              <a:cs typeface="+mn-cs"/>
-            </a:endParaRPr>
-          </a:p>
-          <a:p>
-            <a:pPr fontAlgn="base"/>
-            <a:endParaRPr lang="en-US" sz="1200" b="0" i="0" u="none" strike="noStrike" kern="1200" dirty="0">
-              <a:solidFill>
-                <a:schemeClr val="tx1"/>
-              </a:solidFill>
-              <a:effectLst/>
-              <a:latin typeface="+mn-lt"/>
-              <a:ea typeface="+mn-ea"/>
-              <a:cs typeface="+mn-cs"/>
-            </a:endParaRPr>
-          </a:p>
-          <a:p>
-            <a:pPr fontAlgn="base"/>
-            <a:endParaRPr lang="en-US" sz="1200" b="0" i="0" u="none" strike="noStrike" kern="1200" dirty="0">
-              <a:solidFill>
-                <a:schemeClr val="tx1"/>
-              </a:solidFill>
-              <a:effectLst/>
-              <a:latin typeface="+mn-lt"/>
-              <a:ea typeface="+mn-ea"/>
-              <a:cs typeface="+mn-cs"/>
-            </a:endParaRPr>
-          </a:p>
-          <a:p>
-            <a:pPr fontAlgn="base"/>
-            <a:r>
-              <a:rPr lang="en-US" sz="1200" b="0" i="0" u="none" strike="noStrike" kern="1200" dirty="0">
-                <a:solidFill>
-                  <a:schemeClr val="tx1"/>
-                </a:solidFill>
-                <a:effectLst/>
-                <a:latin typeface="+mn-lt"/>
-                <a:ea typeface="+mn-ea"/>
-                <a:cs typeface="+mn-cs"/>
-              </a:rPr>
-              <a:t>What is the exact goal of project?</a:t>
-            </a:r>
-          </a:p>
-          <a:p>
-            <a:pPr fontAlgn="base"/>
-            <a:r>
-              <a:rPr lang="en-US" sz="1200" b="0" i="0" u="none" strike="noStrike" kern="1200" dirty="0">
-                <a:solidFill>
-                  <a:schemeClr val="tx1"/>
-                </a:solidFill>
-                <a:effectLst/>
-                <a:latin typeface="+mn-lt"/>
-                <a:ea typeface="+mn-ea"/>
-                <a:cs typeface="+mn-cs"/>
-              </a:rPr>
-              <a:t>Why am I spending time/resources on it?</a:t>
-            </a:r>
-          </a:p>
-          <a:p>
-            <a:pPr fontAlgn="base"/>
-            <a:r>
-              <a:rPr lang="en-US" sz="1200" b="0" i="0" u="none" strike="noStrike" kern="1200" dirty="0">
-                <a:solidFill>
-                  <a:schemeClr val="tx1"/>
-                </a:solidFill>
-                <a:effectLst/>
-                <a:latin typeface="+mn-lt"/>
-                <a:ea typeface="+mn-ea"/>
-                <a:cs typeface="+mn-cs"/>
-              </a:rPr>
-              <a:t>How can you check whether the project delivered what you expected?</a:t>
-            </a:r>
-          </a:p>
-          <a:p>
-            <a:pPr fontAlgn="base"/>
-            <a:r>
-              <a:rPr lang="en-US" sz="1200" b="0" i="0" u="none" strike="noStrike" kern="1200" dirty="0">
-                <a:solidFill>
-                  <a:schemeClr val="tx1"/>
-                </a:solidFill>
-                <a:effectLst/>
-                <a:latin typeface="+mn-lt"/>
-                <a:ea typeface="+mn-ea"/>
-                <a:cs typeface="+mn-cs"/>
-              </a:rPr>
-              <a:t>What is the expected timeline?</a:t>
-            </a:r>
-          </a:p>
-          <a:p>
-            <a:pPr fontAlgn="base"/>
-            <a:r>
-              <a:rPr lang="en-US" sz="1200" b="0" i="0" u="none" strike="noStrike" kern="1200" dirty="0">
-                <a:solidFill>
-                  <a:schemeClr val="tx1"/>
-                </a:solidFill>
-                <a:effectLst/>
-                <a:latin typeface="+mn-lt"/>
-                <a:ea typeface="+mn-ea"/>
-                <a:cs typeface="+mn-cs"/>
-              </a:rPr>
-              <a:t>How much are you willing to spend (time/resource)?</a:t>
-            </a:r>
-          </a:p>
-          <a:p>
-            <a:endParaRPr lang="en-US" dirty="0"/>
-          </a:p>
-          <a:p>
-            <a:endParaRPr lang="en-US" dirty="0"/>
-          </a:p>
-          <a:p>
-            <a:pPr marL="0" marR="0" lvl="0" indent="0" algn="l" defTabSz="914400" rtl="0" eaLnBrk="1" fontAlgn="auto" latinLnBrk="0" hangingPunct="1">
-              <a:lnSpc>
-                <a:spcPct val="100000"/>
-              </a:lnSpc>
-              <a:spcBef>
-                <a:spcPts val="0"/>
-              </a:spcBef>
-              <a:spcAft>
-                <a:spcPts val="0"/>
-              </a:spcAft>
-              <a:buClrTx/>
-              <a:buSzTx/>
-              <a:buFontTx/>
-              <a:buNone/>
-              <a:tabLst/>
-              <a:defRPr/>
-            </a:pPr>
-            <a:r>
-              <a:rPr lang="en-US" dirty="0"/>
-              <a:t>Problems with communication </a:t>
-            </a:r>
-            <a:r>
-              <a:rPr lang="en-US" sz="1200" b="0" i="0" u="none" strike="noStrike" kern="1200" dirty="0">
-                <a:solidFill>
-                  <a:schemeClr val="tx1"/>
-                </a:solidFill>
-                <a:effectLst/>
-                <a:latin typeface="+mn-lt"/>
-                <a:ea typeface="+mn-ea"/>
-                <a:cs typeface="+mn-cs"/>
-              </a:rPr>
-              <a:t>Omitting/</a:t>
-            </a:r>
-            <a:r>
-              <a:rPr lang="en-US" sz="1200" b="1" i="0" u="none" strike="noStrike" kern="1200" dirty="0">
-                <a:solidFill>
-                  <a:schemeClr val="tx1"/>
-                </a:solidFill>
-                <a:effectLst/>
-                <a:latin typeface="+mn-lt"/>
-                <a:ea typeface="+mn-ea"/>
-                <a:cs typeface="+mn-cs"/>
-              </a:rPr>
-              <a:t>glossing over any key assumptions </a:t>
-            </a:r>
-            <a:r>
-              <a:rPr lang="en-US" sz="1200" b="0" i="0" u="none" strike="noStrike" kern="1200" dirty="0">
-                <a:solidFill>
-                  <a:schemeClr val="tx1"/>
-                </a:solidFill>
-                <a:effectLst/>
-                <a:latin typeface="+mn-lt"/>
-                <a:ea typeface="+mn-ea"/>
-                <a:cs typeface="+mn-cs"/>
-              </a:rPr>
-              <a:t>made during the analysis</a:t>
-            </a:r>
-          </a:p>
-          <a:p>
-            <a:pPr marL="0" marR="0" lvl="0" indent="0" algn="l" defTabSz="914400" rtl="0" eaLnBrk="1" fontAlgn="auto" latinLnBrk="0" hangingPunct="1">
-              <a:lnSpc>
-                <a:spcPct val="100000"/>
-              </a:lnSpc>
-              <a:spcBef>
-                <a:spcPts val="0"/>
-              </a:spcBef>
-              <a:spcAft>
-                <a:spcPts val="0"/>
-              </a:spcAft>
-              <a:buClrTx/>
-              <a:buSzTx/>
-              <a:buFontTx/>
-              <a:buNone/>
-              <a:tabLst/>
-              <a:defRPr/>
-            </a:pPr>
-            <a:r>
-              <a:rPr lang="en-US" sz="1200" b="0" i="0" u="none" strike="noStrike" kern="1200" dirty="0">
-                <a:solidFill>
-                  <a:schemeClr val="tx1"/>
-                </a:solidFill>
-                <a:effectLst/>
-                <a:latin typeface="+mn-lt"/>
-                <a:ea typeface="+mn-ea"/>
-                <a:cs typeface="+mn-cs"/>
-              </a:rPr>
-              <a:t>Recycling the same presentation for different audiences</a:t>
-            </a:r>
-          </a:p>
-          <a:p>
-            <a:pPr marL="0" marR="0" lvl="0" indent="0" algn="l" defTabSz="914400" rtl="0" eaLnBrk="1" fontAlgn="auto" latinLnBrk="0" hangingPunct="1">
-              <a:lnSpc>
-                <a:spcPct val="100000"/>
-              </a:lnSpc>
-              <a:spcBef>
-                <a:spcPts val="0"/>
-              </a:spcBef>
-              <a:spcAft>
-                <a:spcPts val="0"/>
-              </a:spcAft>
-              <a:buClrTx/>
-              <a:buSzTx/>
-              <a:buFontTx/>
-              <a:buNone/>
-              <a:tabLst/>
-              <a:defRPr/>
-            </a:pPr>
-            <a:r>
-              <a:rPr lang="en-US" sz="1200" b="1" i="0" u="none" strike="noStrike" kern="1200" dirty="0">
-                <a:solidFill>
-                  <a:schemeClr val="tx1"/>
-                </a:solidFill>
-                <a:effectLst/>
-                <a:latin typeface="+mn-lt"/>
-                <a:ea typeface="+mn-ea"/>
-                <a:cs typeface="+mn-cs"/>
-              </a:rPr>
-              <a:t>Saving all insights </a:t>
-            </a:r>
-            <a:r>
-              <a:rPr lang="en-US" sz="1200" b="1" i="1" u="none" strike="noStrike" kern="1200" dirty="0">
-                <a:solidFill>
-                  <a:schemeClr val="tx1"/>
-                </a:solidFill>
-                <a:effectLst/>
-                <a:latin typeface="+mn-lt"/>
-                <a:ea typeface="+mn-ea"/>
-                <a:cs typeface="+mn-cs"/>
-              </a:rPr>
-              <a:t>until a final presentation</a:t>
-            </a:r>
-            <a:r>
-              <a:rPr lang="en-US" sz="1200" b="1" i="0" u="none" strike="noStrike" kern="1200" dirty="0">
-                <a:solidFill>
-                  <a:schemeClr val="tx1"/>
-                </a:solidFill>
-                <a:effectLst/>
-                <a:latin typeface="+mn-lt"/>
-                <a:ea typeface="+mn-ea"/>
-                <a:cs typeface="+mn-cs"/>
-              </a:rPr>
-              <a:t> instead of making the process piecemeal and iterative</a:t>
-            </a:r>
-            <a:endParaRPr lang="en-US" sz="1200" b="0" i="0" u="none" strike="noStrike" kern="1200" dirty="0">
-              <a:solidFill>
-                <a:schemeClr val="tx1"/>
-              </a:solidFill>
-              <a:effectLst/>
-              <a:latin typeface="+mn-lt"/>
-              <a:ea typeface="+mn-ea"/>
-              <a:cs typeface="+mn-cs"/>
-            </a:endParaRPr>
-          </a:p>
-          <a:p>
             <a:endParaRPr lang="en-US" dirty="0"/>
           </a:p>
         </p:txBody>
@@ -1191,7 +926,7 @@
     </p:spTree>
     <p:extLst>
       <p:ext uri="{BB962C8B-B14F-4D97-AF65-F5344CB8AC3E}">
-        <p14:creationId xmlns:p14="http://schemas.microsoft.com/office/powerpoint/2010/main" val="1536765332"/>
+        <p14:creationId xmlns:p14="http://schemas.microsoft.com/office/powerpoint/2010/main" val="791424839"/>
       </p:ext>
     </p:extLst>
   </p:cSld>
@@ -1245,6 +980,42 @@
           <a:bodyPr/>
           <a:lstStyle/>
           <a:p>
+            <a:r>
+              <a:rPr lang="en-US" sz="1200" b="0" i="0" u="none" strike="noStrike" kern="1200" dirty="0">
+                <a:solidFill>
+                  <a:schemeClr val="tx1"/>
+                </a:solidFill>
+                <a:effectLst/>
+                <a:latin typeface="+mn-lt"/>
+                <a:ea typeface="+mn-ea"/>
+                <a:cs typeface="+mn-cs"/>
+              </a:rPr>
+              <a:t>The </a:t>
+            </a:r>
+            <a:r>
+              <a:rPr lang="en-US" sz="1200" b="1" i="0" u="none" strike="noStrike" kern="1200" dirty="0">
+                <a:solidFill>
+                  <a:schemeClr val="tx1"/>
+                </a:solidFill>
+                <a:effectLst/>
+                <a:latin typeface="+mn-lt"/>
+                <a:ea typeface="+mn-ea"/>
+                <a:cs typeface="+mn-cs"/>
+              </a:rPr>
+              <a:t>harmonic mean</a:t>
+            </a:r>
+            <a:r>
+              <a:rPr lang="en-US" sz="1200" b="0" i="0" u="none" strike="noStrike" kern="1200" dirty="0">
+                <a:solidFill>
+                  <a:schemeClr val="tx1"/>
+                </a:solidFill>
+                <a:effectLst/>
+                <a:latin typeface="+mn-lt"/>
+                <a:ea typeface="+mn-ea"/>
+                <a:cs typeface="+mn-cs"/>
+              </a:rPr>
+              <a:t> is often used to calculate the average of the ratios or rates. It is the most appropriate measure for ratios and rates because it equalizes the weights of each data point.</a:t>
+            </a:r>
             <a:endParaRPr lang="en-US" dirty="0"/>
           </a:p>
         </p:txBody>
@@ -1275,7 +1046,427 @@
     </p:spTree>
     <p:extLst>
       <p:ext uri="{BB962C8B-B14F-4D97-AF65-F5344CB8AC3E}">
-        <p14:creationId xmlns:p14="http://schemas.microsoft.com/office/powerpoint/2010/main" val="41507075"/>
+        <p14:creationId xmlns:p14="http://schemas.microsoft.com/office/powerpoint/2010/main" val="788317331"/>
+      </p:ext>
+    </p:extLst>
+  </p:cSld>
+  <p:clrMapOvr>
+    <a:masterClrMapping/>
+  </p:clrMapOvr>
+</p:notes>
+</file>
+
+<file path=ppt/notesSlides/notesSlide6.xml><?xml version="1.0" encoding="utf-8"?>
+<p:notes xmlns:a="http://schemas.openxmlformats.org/drawingml/2006/main" xmlns:r="http://schemas.openxmlformats.org/officeDocument/2006/relationships" xmlns:p="http://schemas.openxmlformats.org/presentationml/2006/main">
+  <p:cSld>
+    <p:spTree>
+      <p:nvGrpSpPr>
+        <p:cNvPr id="1" name=""/>
+        <p:cNvGrpSpPr/>
+        <p:nvPr/>
+      </p:nvGrpSpPr>
+      <p:grpSpPr>
+        <a:xfrm>
+          <a:off x="0" y="0"/>
+          <a:ext cx="0" cy="0"/>
+          <a:chOff x="0" y="0"/>
+          <a:chExt cx="0" cy="0"/>
+        </a:xfrm>
+      </p:grpSpPr>
+      <p:sp>
+        <p:nvSpPr>
+          <p:cNvPr id="2" name="Slide Image Placeholder 1"/>
+          <p:cNvSpPr>
+            <a:spLocks noGrp="1" noRot="1" noChangeAspect="1"/>
+          </p:cNvSpPr>
+          <p:nvPr>
+            <p:ph type="sldImg"/>
+          </p:nvPr>
+        </p:nvSpPr>
+        <p:spPr/>
+      </p:sp>
+      <p:sp>
+        <p:nvSpPr>
+          <p:cNvPr id="3" name="Notes Placeholder 2"/>
+          <p:cNvSpPr>
+            <a:spLocks noGrp="1"/>
+          </p:cNvSpPr>
+          <p:nvPr>
+            <p:ph type="body" idx="1"/>
+          </p:nvPr>
+        </p:nvSpPr>
+        <p:spPr/>
+        <p:txBody>
+          <a:bodyPr/>
+          <a:lstStyle/>
+          <a:p>
+            <a:endParaRPr lang="en-US" dirty="0"/>
+          </a:p>
+        </p:txBody>
+      </p:sp>
+      <p:sp>
+        <p:nvSpPr>
+          <p:cNvPr id="4" name="Slide Number Placeholder 3"/>
+          <p:cNvSpPr>
+            <a:spLocks noGrp="1"/>
+          </p:cNvSpPr>
+          <p:nvPr>
+            <p:ph type="sldNum" sz="quarter" idx="5"/>
+          </p:nvPr>
+        </p:nvSpPr>
+        <p:spPr/>
+        <p:txBody>
+          <a:bodyPr/>
+          <a:lstStyle/>
+          <a:p>
+            <a:fld id="{80E982A1-5A81-7746-934C-61A23258E6B4}" type="slidenum">
+              <a:rPr lang="en-US" smtClean="0"/>
+              <a:t>7</a:t>
+            </a:fld>
+            <a:endParaRPr lang="en-US"/>
+          </a:p>
+        </p:txBody>
+      </p:sp>
+    </p:spTree>
+    <p:extLst>
+      <p:ext uri="{BB962C8B-B14F-4D97-AF65-F5344CB8AC3E}">
+        <p14:creationId xmlns:p14="http://schemas.microsoft.com/office/powerpoint/2010/main" val="4114998312"/>
+      </p:ext>
+    </p:extLst>
+  </p:cSld>
+  <p:clrMapOvr>
+    <a:masterClrMapping/>
+  </p:clrMapOvr>
+</p:notes>
+</file>
+
+<file path=ppt/notesSlides/notesSlide7.xml><?xml version="1.0" encoding="utf-8"?>
+<p:notes xmlns:a="http://schemas.openxmlformats.org/drawingml/2006/main" xmlns:r="http://schemas.openxmlformats.org/officeDocument/2006/relationships" xmlns:p="http://schemas.openxmlformats.org/presentationml/2006/main">
+  <p:cSld>
+    <p:spTree>
+      <p:nvGrpSpPr>
+        <p:cNvPr id="1" name=""/>
+        <p:cNvGrpSpPr/>
+        <p:nvPr/>
+      </p:nvGrpSpPr>
+      <p:grpSpPr>
+        <a:xfrm>
+          <a:off x="0" y="0"/>
+          <a:ext cx="0" cy="0"/>
+          <a:chOff x="0" y="0"/>
+          <a:chExt cx="0" cy="0"/>
+        </a:xfrm>
+      </p:grpSpPr>
+      <p:sp>
+        <p:nvSpPr>
+          <p:cNvPr id="2" name="Slide Image Placeholder 1"/>
+          <p:cNvSpPr>
+            <a:spLocks noGrp="1" noRot="1" noChangeAspect="1"/>
+          </p:cNvSpPr>
+          <p:nvPr>
+            <p:ph type="sldImg"/>
+          </p:nvPr>
+        </p:nvSpPr>
+        <p:spPr/>
+      </p:sp>
+      <p:sp>
+        <p:nvSpPr>
+          <p:cNvPr id="3" name="Notes Placeholder 2"/>
+          <p:cNvSpPr>
+            <a:spLocks noGrp="1"/>
+          </p:cNvSpPr>
+          <p:nvPr>
+            <p:ph type="body" idx="1"/>
+          </p:nvPr>
+        </p:nvSpPr>
+        <p:spPr/>
+        <p:txBody>
+          <a:bodyPr/>
+          <a:lstStyle/>
+          <a:p>
+            <a:endParaRPr lang="en-US" dirty="0"/>
+          </a:p>
+        </p:txBody>
+      </p:sp>
+      <p:sp>
+        <p:nvSpPr>
+          <p:cNvPr id="4" name="Slide Number Placeholder 3"/>
+          <p:cNvSpPr>
+            <a:spLocks noGrp="1"/>
+          </p:cNvSpPr>
+          <p:nvPr>
+            <p:ph type="sldNum" sz="quarter" idx="5"/>
+          </p:nvPr>
+        </p:nvSpPr>
+        <p:spPr/>
+        <p:txBody>
+          <a:bodyPr/>
+          <a:lstStyle/>
+          <a:p>
+            <a:fld id="{80E982A1-5A81-7746-934C-61A23258E6B4}" type="slidenum">
+              <a:rPr lang="en-US" smtClean="0"/>
+              <a:t>8</a:t>
+            </a:fld>
+            <a:endParaRPr lang="en-US"/>
+          </a:p>
+        </p:txBody>
+      </p:sp>
+    </p:spTree>
+    <p:extLst>
+      <p:ext uri="{BB962C8B-B14F-4D97-AF65-F5344CB8AC3E}">
+        <p14:creationId xmlns:p14="http://schemas.microsoft.com/office/powerpoint/2010/main" val="1301681306"/>
+      </p:ext>
+    </p:extLst>
+  </p:cSld>
+  <p:clrMapOvr>
+    <a:masterClrMapping/>
+  </p:clrMapOvr>
+</p:notes>
+</file>
+
+<file path=ppt/notesSlides/notesSlide8.xml><?xml version="1.0" encoding="utf-8"?>
+<p:notes xmlns:a="http://schemas.openxmlformats.org/drawingml/2006/main" xmlns:r="http://schemas.openxmlformats.org/officeDocument/2006/relationships" xmlns:p="http://schemas.openxmlformats.org/presentationml/2006/main">
+  <p:cSld>
+    <p:spTree>
+      <p:nvGrpSpPr>
+        <p:cNvPr id="1" name=""/>
+        <p:cNvGrpSpPr/>
+        <p:nvPr/>
+      </p:nvGrpSpPr>
+      <p:grpSpPr>
+        <a:xfrm>
+          <a:off x="0" y="0"/>
+          <a:ext cx="0" cy="0"/>
+          <a:chOff x="0" y="0"/>
+          <a:chExt cx="0" cy="0"/>
+        </a:xfrm>
+      </p:grpSpPr>
+      <p:sp>
+        <p:nvSpPr>
+          <p:cNvPr id="2" name="Slide Image Placeholder 1"/>
+          <p:cNvSpPr>
+            <a:spLocks noGrp="1" noRot="1" noChangeAspect="1"/>
+          </p:cNvSpPr>
+          <p:nvPr>
+            <p:ph type="sldImg"/>
+          </p:nvPr>
+        </p:nvSpPr>
+        <p:spPr/>
+      </p:sp>
+      <p:sp>
+        <p:nvSpPr>
+          <p:cNvPr id="3" name="Notes Placeholder 2"/>
+          <p:cNvSpPr>
+            <a:spLocks noGrp="1"/>
+          </p:cNvSpPr>
+          <p:nvPr>
+            <p:ph type="body" idx="1"/>
+          </p:nvPr>
+        </p:nvSpPr>
+        <p:spPr/>
+        <p:txBody>
+          <a:bodyPr/>
+          <a:lstStyle/>
+          <a:p>
+            <a:r>
+              <a:rPr lang="en-US" sz="1200" b="0" i="0" u="none" strike="noStrike" kern="1200" dirty="0">
+                <a:solidFill>
+                  <a:schemeClr val="tx1"/>
+                </a:solidFill>
+                <a:effectLst/>
+                <a:latin typeface="+mn-lt"/>
+                <a:ea typeface="+mn-ea"/>
+                <a:cs typeface="+mn-cs"/>
+              </a:rPr>
+              <a:t>Instead of repeating samples, re-weight the loss function.</a:t>
+            </a:r>
+          </a:p>
+          <a:p>
+            <a:r>
+              <a:rPr lang="en-US" sz="1200" b="0" i="0" u="none" strike="noStrike" kern="1200" dirty="0">
+                <a:solidFill>
+                  <a:schemeClr val="tx1"/>
+                </a:solidFill>
+                <a:effectLst/>
+                <a:latin typeface="+mn-lt"/>
+                <a:ea typeface="+mn-ea"/>
+                <a:cs typeface="+mn-cs"/>
+              </a:rPr>
+              <a:t>Works for most models!</a:t>
+            </a:r>
+          </a:p>
+          <a:p>
+            <a:r>
+              <a:rPr lang="en-US" sz="1200" b="0" i="0" u="none" strike="noStrike" kern="1200" dirty="0">
+                <a:solidFill>
+                  <a:schemeClr val="tx1"/>
+                </a:solidFill>
+                <a:effectLst/>
+                <a:latin typeface="+mn-lt"/>
+                <a:ea typeface="+mn-ea"/>
+                <a:cs typeface="+mn-cs"/>
+              </a:rPr>
+              <a:t>Same effect as over-sampling (though not random), but not as expensive (dataset size the same).</a:t>
+            </a:r>
+          </a:p>
+          <a:p>
+            <a:endParaRPr lang="en-US" dirty="0"/>
+          </a:p>
+        </p:txBody>
+      </p:sp>
+      <p:sp>
+        <p:nvSpPr>
+          <p:cNvPr id="4" name="Slide Number Placeholder 3"/>
+          <p:cNvSpPr>
+            <a:spLocks noGrp="1"/>
+          </p:cNvSpPr>
+          <p:nvPr>
+            <p:ph type="sldNum" sz="quarter" idx="5"/>
+          </p:nvPr>
+        </p:nvSpPr>
+        <p:spPr/>
+        <p:txBody>
+          <a:bodyPr/>
+          <a:lstStyle/>
+          <a:p>
+            <a:fld id="{80E982A1-5A81-7746-934C-61A23258E6B4}" type="slidenum">
+              <a:rPr lang="en-US" smtClean="0"/>
+              <a:t>9</a:t>
+            </a:fld>
+            <a:endParaRPr lang="en-US"/>
+          </a:p>
+        </p:txBody>
+      </p:sp>
+    </p:spTree>
+    <p:extLst>
+      <p:ext uri="{BB962C8B-B14F-4D97-AF65-F5344CB8AC3E}">
+        <p14:creationId xmlns:p14="http://schemas.microsoft.com/office/powerpoint/2010/main" val="898792803"/>
+      </p:ext>
+    </p:extLst>
+  </p:cSld>
+  <p:clrMapOvr>
+    <a:masterClrMapping/>
+  </p:clrMapOvr>
+</p:notes>
+</file>
+
+<file path=ppt/notesSlides/notesSlide9.xml><?xml version="1.0" encoding="utf-8"?>
+<p:notes xmlns:a="http://schemas.openxmlformats.org/drawingml/2006/main" xmlns:r="http://schemas.openxmlformats.org/officeDocument/2006/relationships" xmlns:p="http://schemas.openxmlformats.org/presentationml/2006/main">
+  <p:cSld>
+    <p:spTree>
+      <p:nvGrpSpPr>
+        <p:cNvPr id="1" name=""/>
+        <p:cNvGrpSpPr/>
+        <p:nvPr/>
+      </p:nvGrpSpPr>
+      <p:grpSpPr>
+        <a:xfrm>
+          <a:off x="0" y="0"/>
+          <a:ext cx="0" cy="0"/>
+          <a:chOff x="0" y="0"/>
+          <a:chExt cx="0" cy="0"/>
+        </a:xfrm>
+      </p:grpSpPr>
+      <p:sp>
+        <p:nvSpPr>
+          <p:cNvPr id="2" name="Slide Image Placeholder 1"/>
+          <p:cNvSpPr>
+            <a:spLocks noGrp="1" noRot="1" noChangeAspect="1"/>
+          </p:cNvSpPr>
+          <p:nvPr>
+            <p:ph type="sldImg"/>
+          </p:nvPr>
+        </p:nvSpPr>
+        <p:spPr/>
+      </p:sp>
+      <p:sp>
+        <p:nvSpPr>
+          <p:cNvPr id="3" name="Notes Placeholder 2"/>
+          <p:cNvSpPr>
+            <a:spLocks noGrp="1"/>
+          </p:cNvSpPr>
+          <p:nvPr>
+            <p:ph type="body" idx="1"/>
+          </p:nvPr>
+        </p:nvSpPr>
+        <p:spPr/>
+        <p:txBody>
+          <a:bodyPr/>
+          <a:lstStyle/>
+          <a:p>
+            <a:r>
+              <a:rPr lang="en-US" sz="1200" b="0" i="0" u="none" strike="noStrike" kern="1200" dirty="0">
+                <a:solidFill>
+                  <a:schemeClr val="tx1"/>
+                </a:solidFill>
+                <a:effectLst/>
+                <a:latin typeface="+mn-lt"/>
+                <a:ea typeface="+mn-ea"/>
+                <a:cs typeface="+mn-cs"/>
+              </a:rPr>
+              <a:t>Instead of repeating samples, re-weight the loss function.</a:t>
+            </a:r>
+          </a:p>
+          <a:p>
+            <a:r>
+              <a:rPr lang="en-US" sz="1200" b="0" i="0" u="none" strike="noStrike" kern="1200" dirty="0">
+                <a:solidFill>
+                  <a:schemeClr val="tx1"/>
+                </a:solidFill>
+                <a:effectLst/>
+                <a:latin typeface="+mn-lt"/>
+                <a:ea typeface="+mn-ea"/>
+                <a:cs typeface="+mn-cs"/>
+              </a:rPr>
+              <a:t>Works for most models!</a:t>
+            </a:r>
+          </a:p>
+          <a:p>
+            <a:r>
+              <a:rPr lang="en-US" sz="1200" b="0" i="0" u="none" strike="noStrike" kern="1200" dirty="0">
+                <a:solidFill>
+                  <a:schemeClr val="tx1"/>
+                </a:solidFill>
+                <a:effectLst/>
+                <a:latin typeface="+mn-lt"/>
+                <a:ea typeface="+mn-ea"/>
+                <a:cs typeface="+mn-cs"/>
+              </a:rPr>
+              <a:t>Same effect as over-sampling (though not random), but not as expensive (dataset size the same).</a:t>
+            </a:r>
+          </a:p>
+          <a:p>
+            <a:endParaRPr lang="en-US" dirty="0"/>
+          </a:p>
+        </p:txBody>
+      </p:sp>
+      <p:sp>
+        <p:nvSpPr>
+          <p:cNvPr id="4" name="Slide Number Placeholder 3"/>
+          <p:cNvSpPr>
+            <a:spLocks noGrp="1"/>
+          </p:cNvSpPr>
+          <p:nvPr>
+            <p:ph type="sldNum" sz="quarter" idx="5"/>
+          </p:nvPr>
+        </p:nvSpPr>
+        <p:spPr/>
+        <p:txBody>
+          <a:bodyPr/>
+          <a:lstStyle/>
+          <a:p>
+            <a:fld id="{80E982A1-5A81-7746-934C-61A23258E6B4}" type="slidenum">
+              <a:rPr lang="en-US" smtClean="0"/>
+              <a:t>10</a:t>
+            </a:fld>
+            <a:endParaRPr lang="en-US"/>
+          </a:p>
+        </p:txBody>
+      </p:sp>
+    </p:spTree>
+    <p:extLst>
+      <p:ext uri="{BB962C8B-B14F-4D97-AF65-F5344CB8AC3E}">
+        <p14:creationId xmlns:p14="http://schemas.microsoft.com/office/powerpoint/2010/main" val="3562500612"/>
       </p:ext>
     </p:extLst>
   </p:cSld>
@@ -1432,7 +1623,7 @@
           <a:p>
             <a:fld id="{78A61C02-5DDA-4742-BA9F-16C918E9CF6D}" type="datetime1">
               <a:rPr lang="en-US" smtClean="0"/>
-              <a:t>9/27/20</a:t>
+              <a:t>10/12/20</a:t>
             </a:fld>
             <a:endParaRPr lang="en-US"/>
           </a:p>
@@ -1630,7 +1821,7 @@
           <a:p>
             <a:fld id="{548886B6-90A8-3541-BA71-86E77F56DAB4}" type="datetime1">
               <a:rPr lang="en-US" smtClean="0"/>
-              <a:t>9/27/20</a:t>
+              <a:t>10/12/20</a:t>
             </a:fld>
             <a:endParaRPr lang="en-US"/>
           </a:p>
@@ -1838,7 +2029,7 @@
           <a:p>
             <a:fld id="{852FF3A3-1CCF-A84D-A287-5CAF30DE28F4}" type="datetime1">
               <a:rPr lang="en-US" smtClean="0"/>
-              <a:t>9/27/20</a:t>
+              <a:t>10/12/20</a:t>
             </a:fld>
             <a:endParaRPr lang="en-US"/>
           </a:p>
@@ -2036,7 +2227,7 @@
           <a:p>
             <a:fld id="{8C15019A-578B-EF42-A6FE-609BC777F59C}" type="datetime1">
               <a:rPr lang="en-US" smtClean="0"/>
-              <a:t>9/27/20</a:t>
+              <a:t>10/12/20</a:t>
             </a:fld>
             <a:endParaRPr lang="en-US"/>
           </a:p>
@@ -2311,7 +2502,7 @@
           <a:p>
             <a:fld id="{8CF19FEC-2E87-404D-A86C-ABD7A0A24F55}" type="datetime1">
               <a:rPr lang="en-US" smtClean="0"/>
-              <a:t>9/27/20</a:t>
+              <a:t>10/12/20</a:t>
             </a:fld>
             <a:endParaRPr lang="en-US"/>
           </a:p>
@@ -2576,7 +2767,7 @@
           <a:p>
             <a:fld id="{446EA608-0CB1-7045-BE57-7D86CEA40281}" type="datetime1">
               <a:rPr lang="en-US" smtClean="0"/>
-              <a:t>9/27/20</a:t>
+              <a:t>10/12/20</a:t>
             </a:fld>
             <a:endParaRPr lang="en-US"/>
           </a:p>
@@ -2988,7 +3179,7 @@
           <a:p>
             <a:fld id="{C727496E-E60B-0146-8488-196488F29A43}" type="datetime1">
               <a:rPr lang="en-US" smtClean="0"/>
-              <a:t>9/27/20</a:t>
+              <a:t>10/12/20</a:t>
             </a:fld>
             <a:endParaRPr lang="en-US"/>
           </a:p>
@@ -3129,7 +3320,7 @@
           <a:p>
             <a:fld id="{F546FB0E-EB75-9B48-A4BD-2C5B9A04751D}" type="datetime1">
               <a:rPr lang="en-US" smtClean="0"/>
-              <a:t>9/27/20</a:t>
+              <a:t>10/12/20</a:t>
             </a:fld>
             <a:endParaRPr lang="en-US"/>
           </a:p>
@@ -3242,7 +3433,7 @@
           <a:p>
             <a:fld id="{A456FF61-9A5E-1841-AE70-3D847B065C08}" type="datetime1">
               <a:rPr lang="en-US" smtClean="0"/>
-              <a:t>9/27/20</a:t>
+              <a:t>10/12/20</a:t>
             </a:fld>
             <a:endParaRPr lang="en-US"/>
           </a:p>
@@ -3553,7 +3744,7 @@
           <a:p>
             <a:fld id="{FE8A8F49-DF40-F949-8DE2-65B98C5FEDD7}" type="datetime1">
               <a:rPr lang="en-US" smtClean="0"/>
-              <a:t>9/27/20</a:t>
+              <a:t>10/12/20</a:t>
             </a:fld>
             <a:endParaRPr lang="en-US"/>
           </a:p>
@@ -3841,7 +4032,7 @@
           <a:p>
             <a:fld id="{A85EFE4E-DFE8-4C42-98CC-30B935E5C550}" type="datetime1">
               <a:rPr lang="en-US" smtClean="0"/>
-              <a:t>9/27/20</a:t>
+              <a:t>10/12/20</a:t>
             </a:fld>
             <a:endParaRPr lang="en-US"/>
           </a:p>
@@ -4082,7 +4273,7 @@
           <a:p>
             <a:fld id="{5A0C85FA-79DF-354D-A01A-3E5AA821AAF9}" type="datetime1">
               <a:rPr lang="en-US" smtClean="0"/>
-              <a:t>9/27/20</a:t>
+              <a:t>10/12/20</a:t>
             </a:fld>
             <a:endParaRPr lang="en-US"/>
           </a:p>
@@ -4535,45 +4726,43 @@
               </a:rPr>
             </a:br>
             <a:r>
+              <a:rPr lang="en-US" dirty="0"/>
+              <a:t>Evaluation, Tuning, Feature Processing</a:t>
+            </a:r>
+            <a:endParaRPr lang="en-US" dirty="0">
+              <a:latin typeface="Garamond" panose="02020404030301010803" pitchFamily="18" charset="0"/>
+            </a:endParaRPr>
+          </a:p>
+        </p:txBody>
+      </p:sp>
+      <p:sp>
+        <p:nvSpPr>
+          <p:cNvPr id="3" name="Subtitle 2">
+            <a:extLst>
+              <a:ext uri="{FF2B5EF4-FFF2-40B4-BE49-F238E27FC236}">
+                <a16:creationId xmlns:a16="http://schemas.microsoft.com/office/drawing/2014/main" id="{7CDF0E5D-18DE-B54E-BDFC-A3857F1C9F79}"/>
+              </a:ext>
+            </a:extLst>
+          </p:cNvPr>
+          <p:cNvSpPr>
+            <a:spLocks noGrp="1"/>
+          </p:cNvSpPr>
+          <p:nvPr>
+            <p:ph type="subTitle" idx="1"/>
+          </p:nvPr>
+        </p:nvSpPr>
+        <p:spPr/>
+        <p:txBody>
+          <a:bodyPr>
+            <a:normAutofit/>
+          </a:bodyPr>
+          <a:lstStyle/>
+          <a:p>
+            <a:r>
               <a:rPr lang="en-US" b="1" dirty="0">
                 <a:latin typeface="Garamond" panose="02020404030301010803" pitchFamily="18" charset="0"/>
               </a:rPr>
-              <a:t>Project Planning</a:t>
-            </a:r>
-            <a:endParaRPr lang="en-US" dirty="0">
-              <a:latin typeface="Garamond" panose="02020404030301010803" pitchFamily="18" charset="0"/>
-            </a:endParaRPr>
-          </a:p>
-        </p:txBody>
-      </p:sp>
-      <p:sp>
-        <p:nvSpPr>
-          <p:cNvPr id="3" name="Subtitle 2">
-            <a:extLst>
-              <a:ext uri="{FF2B5EF4-FFF2-40B4-BE49-F238E27FC236}">
-                <a16:creationId xmlns:a16="http://schemas.microsoft.com/office/drawing/2014/main" id="{7CDF0E5D-18DE-B54E-BDFC-A3857F1C9F79}"/>
-              </a:ext>
-            </a:extLst>
-          </p:cNvPr>
-          <p:cNvSpPr>
-            <a:spLocks noGrp="1"/>
-          </p:cNvSpPr>
-          <p:nvPr>
-            <p:ph type="subTitle" idx="1"/>
-          </p:nvPr>
-        </p:nvSpPr>
-        <p:spPr/>
-        <p:txBody>
-          <a:bodyPr>
-            <a:normAutofit/>
-          </a:bodyPr>
-          <a:lstStyle/>
-          <a:p>
-            <a:r>
-              <a:rPr lang="en-US" b="1" dirty="0">
-                <a:latin typeface="Garamond" panose="02020404030301010803" pitchFamily="18" charset="0"/>
-              </a:rPr>
-              <a:t>Week 6</a:t>
+              <a:t>Week 7</a:t>
             </a:r>
           </a:p>
           <a:p>
@@ -4620,6 +4809,220 @@
     <p:extLst>
       <p:ext uri="{BB962C8B-B14F-4D97-AF65-F5344CB8AC3E}">
         <p14:creationId xmlns:p14="http://schemas.microsoft.com/office/powerpoint/2010/main" val="3376735905"/>
+      </p:ext>
+    </p:extLst>
+  </p:cSld>
+  <p:clrMapOvr>
+    <a:masterClrMapping/>
+  </p:clrMapOvr>
+</p:sld>
+</file>
+
+<file path=ppt/slides/slide10.xml><?xml version="1.0" encoding="utf-8"?>
+<p:sld xmlns:a="http://schemas.openxmlformats.org/drawingml/2006/main" xmlns:r="http://schemas.openxmlformats.org/officeDocument/2006/relationships" xmlns:p="http://schemas.openxmlformats.org/presentationml/2006/main">
+  <p:cSld>
+    <p:spTree>
+      <p:nvGrpSpPr>
+        <p:cNvPr id="1" name=""/>
+        <p:cNvGrpSpPr/>
+        <p:nvPr/>
+      </p:nvGrpSpPr>
+      <p:grpSpPr>
+        <a:xfrm>
+          <a:off x="0" y="0"/>
+          <a:ext cx="0" cy="0"/>
+          <a:chOff x="0" y="0"/>
+          <a:chExt cx="0" cy="0"/>
+        </a:xfrm>
+      </p:grpSpPr>
+      <p:sp>
+        <p:nvSpPr>
+          <p:cNvPr id="2" name="Title 1">
+            <a:extLst>
+              <a:ext uri="{FF2B5EF4-FFF2-40B4-BE49-F238E27FC236}">
+                <a16:creationId xmlns:a16="http://schemas.microsoft.com/office/drawing/2014/main" id="{9D1C8D72-0F16-5C40-9AE9-DC295292A2A9}"/>
+              </a:ext>
+            </a:extLst>
+          </p:cNvPr>
+          <p:cNvSpPr>
+            <a:spLocks noGrp="1"/>
+          </p:cNvSpPr>
+          <p:nvPr>
+            <p:ph type="title"/>
+          </p:nvPr>
+        </p:nvSpPr>
+        <p:spPr/>
+        <p:txBody>
+          <a:bodyPr/>
+          <a:lstStyle/>
+          <a:p>
+            <a:r>
+              <a:rPr lang="en-US" dirty="0"/>
+              <a:t>Imbalanced data</a:t>
+            </a:r>
+          </a:p>
+        </p:txBody>
+      </p:sp>
+      <p:sp>
+        <p:nvSpPr>
+          <p:cNvPr id="3" name="Content Placeholder 2">
+            <a:extLst>
+              <a:ext uri="{FF2B5EF4-FFF2-40B4-BE49-F238E27FC236}">
+                <a16:creationId xmlns:a16="http://schemas.microsoft.com/office/drawing/2014/main" id="{72561643-91DE-FA4E-90EF-6E29140C2E69}"/>
+              </a:ext>
+            </a:extLst>
+          </p:cNvPr>
+          <p:cNvSpPr>
+            <a:spLocks noGrp="1"/>
+          </p:cNvSpPr>
+          <p:nvPr>
+            <p:ph idx="1"/>
+          </p:nvPr>
+        </p:nvSpPr>
+        <p:spPr/>
+        <p:txBody>
+          <a:bodyPr>
+            <a:normAutofit/>
+          </a:bodyPr>
+          <a:lstStyle/>
+          <a:p>
+            <a:pPr marL="0" indent="0">
+              <a:buNone/>
+            </a:pPr>
+            <a:endParaRPr lang="en-US" dirty="0"/>
+          </a:p>
+          <a:p>
+            <a:endParaRPr lang="en-US" baseline="30000" dirty="0"/>
+          </a:p>
+          <a:p>
+            <a:endParaRPr lang="en-US" baseline="30000" dirty="0"/>
+          </a:p>
+          <a:p>
+            <a:endParaRPr lang="en-US" dirty="0"/>
+          </a:p>
+          <a:p>
+            <a:endParaRPr lang="en-US" dirty="0"/>
+          </a:p>
+        </p:txBody>
+      </p:sp>
+      <p:sp>
+        <p:nvSpPr>
+          <p:cNvPr id="4" name="Footer Placeholder 3">
+            <a:extLst>
+              <a:ext uri="{FF2B5EF4-FFF2-40B4-BE49-F238E27FC236}">
+                <a16:creationId xmlns:a16="http://schemas.microsoft.com/office/drawing/2014/main" id="{14B89400-6E34-6147-9087-D9872884E482}"/>
+              </a:ext>
+            </a:extLst>
+          </p:cNvPr>
+          <p:cNvSpPr>
+            <a:spLocks noGrp="1"/>
+          </p:cNvSpPr>
+          <p:nvPr>
+            <p:ph type="ftr" sz="quarter" idx="11"/>
+          </p:nvPr>
+        </p:nvSpPr>
+        <p:spPr/>
+        <p:txBody>
+          <a:bodyPr/>
+          <a:lstStyle/>
+          <a:p>
+            <a:endParaRPr lang="en-US"/>
+          </a:p>
+        </p:txBody>
+      </p:sp>
+      <p:sp>
+        <p:nvSpPr>
+          <p:cNvPr id="5" name="TextBox 4">
+            <a:extLst>
+              <a:ext uri="{FF2B5EF4-FFF2-40B4-BE49-F238E27FC236}">
+                <a16:creationId xmlns:a16="http://schemas.microsoft.com/office/drawing/2014/main" id="{C429A8F3-A0C5-734C-83BB-1DC4D2C01AF7}"/>
+              </a:ext>
+            </a:extLst>
+          </p:cNvPr>
+          <p:cNvSpPr txBox="1"/>
+          <p:nvPr/>
+        </p:nvSpPr>
+        <p:spPr>
+          <a:xfrm>
+            <a:off x="838200" y="2243138"/>
+            <a:ext cx="10234613" cy="2031325"/>
+          </a:xfrm>
+          <a:prstGeom prst="rect">
+            <a:avLst/>
+          </a:prstGeom>
+          <a:noFill/>
+        </p:spPr>
+        <p:txBody>
+          <a:bodyPr wrap="square" rtlCol="0">
+            <a:spAutoFit/>
+          </a:bodyPr>
+          <a:lstStyle/>
+          <a:p>
+            <a:endParaRPr lang="en-US" dirty="0"/>
+          </a:p>
+          <a:p>
+            <a:pPr marL="285750" indent="-285750">
+              <a:buFont typeface="Arial" panose="020B0604020202020204" pitchFamily="34" charset="0"/>
+              <a:buChar char="•"/>
+            </a:pPr>
+            <a:r>
+              <a:rPr lang="en-US" dirty="0"/>
+              <a:t>Imbalanced cost – imbalanced data</a:t>
+            </a:r>
+          </a:p>
+          <a:p>
+            <a:pPr marL="285750" indent="-285750">
+              <a:buFont typeface="Arial" panose="020B0604020202020204" pitchFamily="34" charset="0"/>
+              <a:buChar char="•"/>
+            </a:pPr>
+            <a:r>
+              <a:rPr lang="en-US" dirty="0"/>
+              <a:t>Accuracy is not the best metric to use</a:t>
+            </a:r>
+          </a:p>
+          <a:p>
+            <a:pPr marL="285750" indent="-285750">
+              <a:buFont typeface="Arial" panose="020B0604020202020204" pitchFamily="34" charset="0"/>
+              <a:buChar char="•"/>
+            </a:pPr>
+            <a:r>
+              <a:rPr lang="en-US" dirty="0"/>
+              <a:t>Remedies? </a:t>
+            </a:r>
+          </a:p>
+          <a:p>
+            <a:pPr marL="742950" lvl="1" indent="-285750">
+              <a:buFont typeface="Arial" panose="020B0604020202020204" pitchFamily="34" charset="0"/>
+              <a:buChar char="•"/>
+            </a:pPr>
+            <a:r>
+              <a:rPr lang="en-US" dirty="0"/>
+              <a:t>Model: try different models, class weights, loss function</a:t>
+            </a:r>
+          </a:p>
+          <a:p>
+            <a:pPr marL="742950" lvl="1" indent="-285750">
+              <a:buFont typeface="Arial" panose="020B0604020202020204" pitchFamily="34" charset="0"/>
+              <a:buChar char="•"/>
+            </a:pPr>
+            <a:r>
+              <a:rPr lang="en-US" dirty="0"/>
+              <a:t>Data: resample (over/under), create synthetic data</a:t>
+            </a:r>
+          </a:p>
+          <a:p>
+            <a:pPr marL="285750" indent="-285750">
+              <a:buFont typeface="Arial" panose="020B0604020202020204" pitchFamily="34" charset="0"/>
+              <a:buChar char="•"/>
+            </a:pPr>
+            <a:endParaRPr lang="en-US" dirty="0"/>
+          </a:p>
+        </p:txBody>
+      </p:sp>
+    </p:spTree>
+    <p:extLst>
+      <p:ext uri="{BB962C8B-B14F-4D97-AF65-F5344CB8AC3E}">
+        <p14:creationId xmlns:p14="http://schemas.microsoft.com/office/powerpoint/2010/main" val="2299094447"/>
       </p:ext>
     </p:extLst>
   </p:cSld>
@@ -4669,7 +5072,7 @@
           <a:p>
             <a:r>
               <a:rPr lang="en-US" dirty="0"/>
-              <a:t>ML is Just a Tiny Fraction of the Project</a:t>
+              <a:t>Metrics for Regression Models</a:t>
             </a:r>
           </a:p>
         </p:txBody>
@@ -4703,7 +5106,38 @@
             <a:endParaRPr lang="en-US" dirty="0"/>
           </a:p>
           <a:p>
+            <a:r>
+              <a:rPr lang="en-US" dirty="0"/>
+              <a:t>R</a:t>
+            </a:r>
+            <a:r>
+              <a:rPr lang="en-US" baseline="30000" dirty="0"/>
+              <a:t>2: </a:t>
+            </a:r>
+          </a:p>
+          <a:p>
+            <a:endParaRPr lang="en-US" baseline="30000" dirty="0"/>
+          </a:p>
+          <a:p>
+            <a:endParaRPr lang="en-US" baseline="30000" dirty="0"/>
+          </a:p>
+          <a:p>
+            <a:r>
+              <a:rPr lang="en-US" dirty="0"/>
+              <a:t>(R)MSE</a:t>
+            </a:r>
+          </a:p>
+          <a:p>
             <a:endParaRPr lang="en-US" dirty="0"/>
+          </a:p>
+          <a:p>
+            <a:endParaRPr lang="en-US" dirty="0"/>
+          </a:p>
+          <a:p>
+            <a:r>
+              <a:rPr lang="en-US" dirty="0"/>
+              <a:t>Mean/Median Absolute Error</a:t>
+            </a:r>
           </a:p>
         </p:txBody>
       </p:sp>
@@ -4734,10 +5168,68 @@
       </p:sp>
       <p:pic>
         <p:nvPicPr>
-          <p:cNvPr id="6" name="Picture 5">
-            <a:extLst>
-              <a:ext uri="{FF2B5EF4-FFF2-40B4-BE49-F238E27FC236}">
-                <a16:creationId xmlns:a16="http://schemas.microsoft.com/office/drawing/2014/main" id="{733924E2-7F16-D04B-B1E7-6C07FA083F71}"/>
+          <p:cNvPr id="8" name="Picture 7">
+            <a:extLst>
+              <a:ext uri="{FF2B5EF4-FFF2-40B4-BE49-F238E27FC236}">
+                <a16:creationId xmlns:a16="http://schemas.microsoft.com/office/drawing/2014/main" id="{D082DE7D-D214-AF49-8405-C87DFD1AC312}"/>
+              </a:ext>
+            </a:extLst>
+          </p:cNvPr>
+          <p:cNvPicPr>
+            <a:picLocks noChangeAspect="1"/>
+          </p:cNvPicPr>
+          <p:nvPr/>
+        </p:nvPicPr>
+        <p:blipFill rotWithShape="1">
+          <a:blip r:embed="rId3"/>
+          <a:srcRect l="3143"/>
+          <a:stretch/>
+        </p:blipFill>
+        <p:spPr>
+          <a:xfrm>
+            <a:off x="1168400" y="1817688"/>
+            <a:ext cx="8610600" cy="1473200"/>
+          </a:xfrm>
+          <a:prstGeom prst="rect">
+            <a:avLst/>
+          </a:prstGeom>
+        </p:spPr>
+      </p:pic>
+      <p:pic>
+        <p:nvPicPr>
+          <p:cNvPr id="10" name="Picture 9">
+            <a:extLst>
+              <a:ext uri="{FF2B5EF4-FFF2-40B4-BE49-F238E27FC236}">
+                <a16:creationId xmlns:a16="http://schemas.microsoft.com/office/drawing/2014/main" id="{40934E66-B8C9-7E4A-9CC5-B9A62F34B45B}"/>
+              </a:ext>
+            </a:extLst>
+          </p:cNvPr>
+          <p:cNvPicPr>
+            <a:picLocks noChangeAspect="1"/>
+          </p:cNvPicPr>
+          <p:nvPr/>
+        </p:nvPicPr>
+        <p:blipFill rotWithShape="1">
+          <a:blip r:embed="rId4"/>
+          <a:srcRect l="4226"/>
+          <a:stretch/>
+        </p:blipFill>
+        <p:spPr>
+          <a:xfrm>
+            <a:off x="1117600" y="3133725"/>
+            <a:ext cx="6908800" cy="1879600"/>
+          </a:xfrm>
+          <a:prstGeom prst="rect">
+            <a:avLst/>
+          </a:prstGeom>
+        </p:spPr>
+      </p:pic>
+      <p:pic>
+        <p:nvPicPr>
+          <p:cNvPr id="12" name="Picture 11">
+            <a:extLst>
+              <a:ext uri="{FF2B5EF4-FFF2-40B4-BE49-F238E27FC236}">
+                <a16:creationId xmlns:a16="http://schemas.microsoft.com/office/drawing/2014/main" id="{74D6268B-1F89-0848-B2AF-6C7A0E3A1122}"/>
               </a:ext>
             </a:extLst>
           </p:cNvPr>
@@ -4747,63 +5239,21 @@
           <p:nvPr/>
         </p:nvPicPr>
         <p:blipFill>
-          <a:blip r:embed="rId3"/>
+          <a:blip r:embed="rId5"/>
           <a:stretch>
             <a:fillRect/>
           </a:stretch>
         </p:blipFill>
         <p:spPr>
           <a:xfrm>
-            <a:off x="1485900" y="1646238"/>
-            <a:ext cx="9220200" cy="3340100"/>
+            <a:off x="1117600" y="4652169"/>
+            <a:ext cx="6604000" cy="1752600"/>
           </a:xfrm>
           <a:prstGeom prst="rect">
             <a:avLst/>
           </a:prstGeom>
         </p:spPr>
       </p:pic>
-      <p:sp>
-        <p:nvSpPr>
-          <p:cNvPr id="7" name="Rectangle 6">
-            <a:extLst>
-              <a:ext uri="{FF2B5EF4-FFF2-40B4-BE49-F238E27FC236}">
-                <a16:creationId xmlns:a16="http://schemas.microsoft.com/office/drawing/2014/main" id="{91437124-6403-B14C-BC6B-B645CBFD1A94}"/>
-              </a:ext>
-            </a:extLst>
-          </p:cNvPr>
-          <p:cNvSpPr/>
-          <p:nvPr/>
-        </p:nvSpPr>
-        <p:spPr>
-          <a:xfrm>
-            <a:off x="3297445" y="5211762"/>
-            <a:ext cx="5597110" cy="276999"/>
-          </a:xfrm>
-          <a:prstGeom prst="rect">
-            <a:avLst/>
-          </a:prstGeom>
-        </p:spPr>
-        <p:txBody>
-          <a:bodyPr wrap="none">
-            <a:spAutoFit/>
-          </a:bodyPr>
-          <a:lstStyle/>
-          <a:p>
-            <a:r>
-              <a:rPr lang="en-US" sz="1200" dirty="0"/>
-              <a:t>https://</a:t>
-            </a:r>
-            <a:r>
-              <a:rPr lang="en-US" sz="1200" dirty="0" err="1"/>
-              <a:t>papers.nips.cc</a:t>
-            </a:r>
-            <a:r>
-              <a:rPr lang="en-US" sz="1200" dirty="0"/>
-              <a:t>/paper/5656-hidden-technical-debt-in-machine-learning-systems.pdf</a:t>
-            </a:r>
-          </a:p>
-        </p:txBody>
-      </p:sp>
     </p:spTree>
     <p:extLst>
       <p:ext uri="{BB962C8B-B14F-4D97-AF65-F5344CB8AC3E}">
@@ -4857,7 +5307,7 @@
           <a:p>
             <a:r>
               <a:rPr lang="en-US" dirty="0"/>
-              <a:t>Work Backwards!</a:t>
+              <a:t>Metrics for Classification Models</a:t>
             </a:r>
           </a:p>
         </p:txBody>
@@ -4885,20 +5335,23 @@
           </a:bodyPr>
           <a:lstStyle/>
           <a:p>
-            <a:r>
-              <a:rPr lang="en-US" dirty="0"/>
-              <a:t>Don’t expect ML to figure out what problems to solve</a:t>
-            </a:r>
-          </a:p>
-          <a:p>
-            <a:r>
-              <a:rPr lang="en-US" dirty="0"/>
-              <a:t>Start with the ideal final state for your problem</a:t>
-            </a:r>
-          </a:p>
-          <a:p>
+            <a:pPr marL="0" indent="0">
+              <a:buNone/>
+            </a:pPr>
             <a:endParaRPr lang="en-US" dirty="0"/>
           </a:p>
+          <a:p>
+            <a:endParaRPr lang="en-US" baseline="30000" dirty="0"/>
+          </a:p>
+          <a:p>
+            <a:endParaRPr lang="en-US" baseline="30000" dirty="0"/>
+          </a:p>
+          <a:p>
+            <a:endParaRPr lang="en-US" dirty="0"/>
+          </a:p>
+          <a:p>
+            <a:endParaRPr lang="en-US" dirty="0"/>
+          </a:p>
         </p:txBody>
       </p:sp>
       <p:sp>
@@ -4926,10 +5379,69 @@
           </a:p>
         </p:txBody>
       </p:sp>
+      <p:pic>
+        <p:nvPicPr>
+          <p:cNvPr id="6" name="Picture 5">
+            <a:extLst>
+              <a:ext uri="{FF2B5EF4-FFF2-40B4-BE49-F238E27FC236}">
+                <a16:creationId xmlns:a16="http://schemas.microsoft.com/office/drawing/2014/main" id="{697C9AF5-EB10-7E40-96AD-EEF5A6EBBAF6}"/>
+              </a:ext>
+            </a:extLst>
+          </p:cNvPr>
+          <p:cNvPicPr>
+            <a:picLocks noChangeAspect="1"/>
+          </p:cNvPicPr>
+          <p:nvPr/>
+        </p:nvPicPr>
+        <p:blipFill>
+          <a:blip r:embed="rId3"/>
+          <a:srcRect/>
+          <a:stretch/>
+        </p:blipFill>
+        <p:spPr>
+          <a:xfrm>
+            <a:off x="3463926" y="1870075"/>
+            <a:ext cx="4521200" cy="2333055"/>
+          </a:xfrm>
+          <a:prstGeom prst="rect">
+            <a:avLst/>
+          </a:prstGeom>
+        </p:spPr>
+      </p:pic>
+      <p:pic>
+        <p:nvPicPr>
+          <p:cNvPr id="9" name="Picture 8">
+            <a:extLst>
+              <a:ext uri="{FF2B5EF4-FFF2-40B4-BE49-F238E27FC236}">
+                <a16:creationId xmlns:a16="http://schemas.microsoft.com/office/drawing/2014/main" id="{775F96AA-4825-1943-BE09-44D31E2C6461}"/>
+              </a:ext>
+            </a:extLst>
+          </p:cNvPr>
+          <p:cNvPicPr>
+            <a:picLocks noChangeAspect="1"/>
+          </p:cNvPicPr>
+          <p:nvPr/>
+        </p:nvPicPr>
+        <p:blipFill>
+          <a:blip r:embed="rId4"/>
+          <a:stretch>
+            <a:fillRect/>
+          </a:stretch>
+        </p:blipFill>
+        <p:spPr>
+          <a:xfrm>
+            <a:off x="2549526" y="4548696"/>
+            <a:ext cx="6350000" cy="1282700"/>
+          </a:xfrm>
+          <a:prstGeom prst="rect">
+            <a:avLst/>
+          </a:prstGeom>
+        </p:spPr>
+      </p:pic>
     </p:spTree>
     <p:extLst>
       <p:ext uri="{BB962C8B-B14F-4D97-AF65-F5344CB8AC3E}">
-        <p14:creationId xmlns:p14="http://schemas.microsoft.com/office/powerpoint/2010/main" val="2296269427"/>
+        <p14:creationId xmlns:p14="http://schemas.microsoft.com/office/powerpoint/2010/main" val="3562431448"/>
       </p:ext>
     </p:extLst>
   </p:cSld>
@@ -4956,12 +5468,107 @@
           <a:chExt cx="0" cy="0"/>
         </a:xfrm>
       </p:grpSpPr>
+      <p:sp>
+        <p:nvSpPr>
+          <p:cNvPr id="2" name="Title 1">
+            <a:extLst>
+              <a:ext uri="{FF2B5EF4-FFF2-40B4-BE49-F238E27FC236}">
+                <a16:creationId xmlns:a16="http://schemas.microsoft.com/office/drawing/2014/main" id="{9D1C8D72-0F16-5C40-9AE9-DC295292A2A9}"/>
+              </a:ext>
+            </a:extLst>
+          </p:cNvPr>
+          <p:cNvSpPr>
+            <a:spLocks noGrp="1"/>
+          </p:cNvSpPr>
+          <p:nvPr>
+            <p:ph type="title"/>
+          </p:nvPr>
+        </p:nvSpPr>
+        <p:spPr/>
+        <p:txBody>
+          <a:bodyPr/>
+          <a:lstStyle/>
+          <a:p>
+            <a:r>
+              <a:rPr lang="en-US" dirty="0"/>
+              <a:t>Problem with Accuracy</a:t>
+            </a:r>
+          </a:p>
+        </p:txBody>
+      </p:sp>
+      <p:sp>
+        <p:nvSpPr>
+          <p:cNvPr id="3" name="Content Placeholder 2">
+            <a:extLst>
+              <a:ext uri="{FF2B5EF4-FFF2-40B4-BE49-F238E27FC236}">
+                <a16:creationId xmlns:a16="http://schemas.microsoft.com/office/drawing/2014/main" id="{72561643-91DE-FA4E-90EF-6E29140C2E69}"/>
+              </a:ext>
+            </a:extLst>
+          </p:cNvPr>
+          <p:cNvSpPr>
+            <a:spLocks noGrp="1"/>
+          </p:cNvSpPr>
+          <p:nvPr>
+            <p:ph idx="1"/>
+          </p:nvPr>
+        </p:nvSpPr>
+        <p:spPr/>
+        <p:txBody>
+          <a:bodyPr>
+            <a:normAutofit/>
+          </a:bodyPr>
+          <a:lstStyle/>
+          <a:p>
+            <a:pPr marL="0" indent="0">
+              <a:buNone/>
+            </a:pPr>
+            <a:endParaRPr lang="en-US" dirty="0"/>
+          </a:p>
+          <a:p>
+            <a:endParaRPr lang="en-US" baseline="30000" dirty="0"/>
+          </a:p>
+          <a:p>
+            <a:endParaRPr lang="en-US" baseline="30000" dirty="0"/>
+          </a:p>
+          <a:p>
+            <a:endParaRPr lang="en-US" dirty="0"/>
+          </a:p>
+          <a:p>
+            <a:endParaRPr lang="en-US" dirty="0"/>
+          </a:p>
+        </p:txBody>
+      </p:sp>
+      <p:sp>
+        <p:nvSpPr>
+          <p:cNvPr id="4" name="Footer Placeholder 3">
+            <a:extLst>
+              <a:ext uri="{FF2B5EF4-FFF2-40B4-BE49-F238E27FC236}">
+                <a16:creationId xmlns:a16="http://schemas.microsoft.com/office/drawing/2014/main" id="{14B89400-6E34-6147-9087-D9872884E482}"/>
+              </a:ext>
+            </a:extLst>
+          </p:cNvPr>
+          <p:cNvSpPr>
+            <a:spLocks noGrp="1"/>
+          </p:cNvSpPr>
+          <p:nvPr>
+            <p:ph type="ftr" sz="quarter" idx="11"/>
+          </p:nvPr>
+        </p:nvSpPr>
+        <p:spPr/>
+        <p:txBody>
+          <a:bodyPr/>
+          <a:lstStyle/>
+          <a:p>
+            <a:endParaRPr lang="en-US"/>
+          </a:p>
+        </p:txBody>
+      </p:sp>
       <p:pic>
         <p:nvPicPr>
-          <p:cNvPr id="8" name="Picture 7">
-            <a:extLst>
-              <a:ext uri="{FF2B5EF4-FFF2-40B4-BE49-F238E27FC236}">
-                <a16:creationId xmlns:a16="http://schemas.microsoft.com/office/drawing/2014/main" id="{7F65B873-85C7-0F4D-9F5B-F2916025D487}"/>
+          <p:cNvPr id="9" name="Picture 8">
+            <a:extLst>
+              <a:ext uri="{FF2B5EF4-FFF2-40B4-BE49-F238E27FC236}">
+                <a16:creationId xmlns:a16="http://schemas.microsoft.com/office/drawing/2014/main" id="{775F96AA-4825-1943-BE09-44D31E2C6461}"/>
               </a:ext>
             </a:extLst>
           </p:cNvPr>
@@ -4970,159 +5577,221 @@
           </p:cNvPicPr>
           <p:nvPr/>
         </p:nvPicPr>
-        <p:blipFill rotWithShape="1">
+        <p:blipFill>
           <a:blip r:embed="rId3"/>
-          <a:srcRect t="11664"/>
-          <a:stretch/>
+          <a:stretch>
+            <a:fillRect/>
+          </a:stretch>
         </p:blipFill>
         <p:spPr>
           <a:xfrm>
-            <a:off x="4997935" y="1282473"/>
-            <a:ext cx="8039240" cy="4554991"/>
+            <a:off x="2549526" y="4548696"/>
+            <a:ext cx="6350000" cy="1282700"/>
           </a:xfrm>
           <a:prstGeom prst="rect">
             <a:avLst/>
           </a:prstGeom>
         </p:spPr>
       </p:pic>
-      <p:sp>
-        <p:nvSpPr>
-          <p:cNvPr id="2" name="Title 1">
-            <a:extLst>
-              <a:ext uri="{FF2B5EF4-FFF2-40B4-BE49-F238E27FC236}">
-                <a16:creationId xmlns:a16="http://schemas.microsoft.com/office/drawing/2014/main" id="{9D1C8D72-0F16-5C40-9AE9-DC295292A2A9}"/>
-              </a:ext>
-            </a:extLst>
-          </p:cNvPr>
-          <p:cNvSpPr>
-            <a:spLocks noGrp="1"/>
-          </p:cNvSpPr>
-          <p:nvPr>
-            <p:ph type="title"/>
-          </p:nvPr>
-        </p:nvSpPr>
-        <p:spPr/>
-        <p:txBody>
-          <a:bodyPr/>
-          <a:lstStyle/>
-          <a:p>
-            <a:r>
-              <a:rPr lang="en-US" dirty="0"/>
-              <a:t>Iterate!</a:t>
-            </a:r>
-          </a:p>
-        </p:txBody>
-      </p:sp>
-      <p:sp>
-        <p:nvSpPr>
-          <p:cNvPr id="3" name="Content Placeholder 2">
-            <a:extLst>
-              <a:ext uri="{FF2B5EF4-FFF2-40B4-BE49-F238E27FC236}">
-                <a16:creationId xmlns:a16="http://schemas.microsoft.com/office/drawing/2014/main" id="{72561643-91DE-FA4E-90EF-6E29140C2E69}"/>
-              </a:ext>
-            </a:extLst>
-          </p:cNvPr>
-          <p:cNvSpPr>
-            <a:spLocks noGrp="1"/>
-          </p:cNvSpPr>
-          <p:nvPr>
-            <p:ph idx="1"/>
-          </p:nvPr>
-        </p:nvSpPr>
-        <p:spPr/>
-        <p:txBody>
-          <a:bodyPr>
-            <a:normAutofit/>
-          </a:bodyPr>
-          <a:lstStyle/>
-          <a:p>
-            <a:r>
-              <a:rPr lang="en-US" dirty="0"/>
-              <a:t>Start simple, then add complexity</a:t>
-            </a:r>
-          </a:p>
-          <a:p>
-            <a:r>
-              <a:rPr lang="en-US" dirty="0"/>
-              <a:t>Get feedback as frequently as you can</a:t>
-            </a:r>
-          </a:p>
-          <a:p>
-            <a:endParaRPr lang="en-US" dirty="0"/>
-          </a:p>
-        </p:txBody>
-      </p:sp>
-      <p:sp>
-        <p:nvSpPr>
-          <p:cNvPr id="4" name="Footer Placeholder 3">
-            <a:extLst>
-              <a:ext uri="{FF2B5EF4-FFF2-40B4-BE49-F238E27FC236}">
-                <a16:creationId xmlns:a16="http://schemas.microsoft.com/office/drawing/2014/main" id="{14B89400-6E34-6147-9087-D9872884E482}"/>
-              </a:ext>
-            </a:extLst>
-          </p:cNvPr>
-          <p:cNvSpPr>
-            <a:spLocks noGrp="1"/>
-          </p:cNvSpPr>
-          <p:nvPr>
-            <p:ph type="ftr" sz="quarter" idx="11"/>
-          </p:nvPr>
-        </p:nvSpPr>
-        <p:spPr/>
-        <p:txBody>
-          <a:bodyPr/>
-          <a:lstStyle/>
-          <a:p>
-            <a:endParaRPr lang="en-US"/>
-          </a:p>
-        </p:txBody>
-      </p:sp>
-      <p:sp>
-        <p:nvSpPr>
-          <p:cNvPr id="7" name="Rectangle 6">
-            <a:extLst>
-              <a:ext uri="{FF2B5EF4-FFF2-40B4-BE49-F238E27FC236}">
-                <a16:creationId xmlns:a16="http://schemas.microsoft.com/office/drawing/2014/main" id="{B140EC37-CDD4-0C44-B718-FE7BECF94E93}"/>
-              </a:ext>
-            </a:extLst>
-          </p:cNvPr>
-          <p:cNvSpPr/>
-          <p:nvPr/>
-        </p:nvSpPr>
-        <p:spPr>
-          <a:xfrm>
-            <a:off x="7719317" y="5837464"/>
-            <a:ext cx="3281219" cy="276999"/>
-          </a:xfrm>
-          <a:prstGeom prst="rect">
-            <a:avLst/>
-          </a:prstGeom>
-        </p:spPr>
-        <p:txBody>
-          <a:bodyPr wrap="none">
-            <a:spAutoFit/>
-          </a:bodyPr>
-          <a:lstStyle/>
-          <a:p>
-            <a:r>
-              <a:rPr lang="en-US" sz="1200" dirty="0"/>
-              <a:t>https://</a:t>
-            </a:r>
-            <a:r>
-              <a:rPr lang="en-US" sz="1200" dirty="0" err="1"/>
-              <a:t>www.jeremyjordan.me</a:t>
-            </a:r>
-            <a:r>
-              <a:rPr lang="en-US" sz="1200" dirty="0"/>
-              <a:t>/ml-projects-guide/</a:t>
-            </a:r>
-          </a:p>
-        </p:txBody>
-      </p:sp>
+      <p:graphicFrame>
+        <p:nvGraphicFramePr>
+          <p:cNvPr id="7" name="Table 6">
+            <a:extLst>
+              <a:ext uri="{FF2B5EF4-FFF2-40B4-BE49-F238E27FC236}">
+                <a16:creationId xmlns:a16="http://schemas.microsoft.com/office/drawing/2014/main" id="{4358863D-D80E-BA4A-92FC-2BEB44EE52DF}"/>
+              </a:ext>
+            </a:extLst>
+          </p:cNvPr>
+          <p:cNvGraphicFramePr>
+            <a:graphicFrameLocks noGrp="1"/>
+          </p:cNvGraphicFramePr>
+          <p:nvPr>
+            <p:extLst>
+              <p:ext uri="{D42A27DB-BD31-4B8C-83A1-F6EECF244321}">
+                <p14:modId xmlns:p14="http://schemas.microsoft.com/office/powerpoint/2010/main" val="4007389162"/>
+              </p:ext>
+            </p:extLst>
+          </p:nvPr>
+        </p:nvGraphicFramePr>
+        <p:xfrm>
+          <a:off x="3908837" y="2309304"/>
+          <a:ext cx="4374325" cy="1107440"/>
+        </p:xfrm>
+        <a:graphic>
+          <a:graphicData uri="http://schemas.openxmlformats.org/drawingml/2006/table">
+            <a:tbl>
+              <a:tblPr bandRow="1">
+                <a:tableStyleId>{5940675A-B579-460E-94D1-54222C63F5DA}</a:tableStyleId>
+              </a:tblPr>
+              <a:tblGrid>
+                <a:gridCol w="1257681">
+                  <a:extLst>
+                    <a:ext uri="{9D8B030D-6E8A-4147-A177-3AD203B41FA5}">
+                      <a16:colId xmlns:a16="http://schemas.microsoft.com/office/drawing/2014/main" val="560933193"/>
+                    </a:ext>
+                  </a:extLst>
+                </a:gridCol>
+                <a:gridCol w="1547178">
+                  <a:extLst>
+                    <a:ext uri="{9D8B030D-6E8A-4147-A177-3AD203B41FA5}">
+                      <a16:colId xmlns:a16="http://schemas.microsoft.com/office/drawing/2014/main" val="567124034"/>
+                    </a:ext>
+                  </a:extLst>
+                </a:gridCol>
+                <a:gridCol w="1569466">
+                  <a:extLst>
+                    <a:ext uri="{9D8B030D-6E8A-4147-A177-3AD203B41FA5}">
+                      <a16:colId xmlns:a16="http://schemas.microsoft.com/office/drawing/2014/main" val="1411053579"/>
+                    </a:ext>
+                  </a:extLst>
+                </a:gridCol>
+              </a:tblGrid>
+              <a:tr h="0">
+                <a:tc>
+                  <a:txBody>
+                    <a:bodyPr/>
+                    <a:lstStyle/>
+                    <a:p>
+                      <a:r>
+                        <a:rPr lang="en-US" dirty="0"/>
+                        <a:t>n=100</a:t>
+                      </a:r>
+                    </a:p>
+                  </a:txBody>
+                  <a:tcPr/>
+                </a:tc>
+                <a:tc>
+                  <a:txBody>
+                    <a:bodyPr/>
+                    <a:lstStyle/>
+                    <a:p>
+                      <a:r>
+                        <a:rPr lang="en-US" b="1" dirty="0"/>
+                        <a:t>Predicted No</a:t>
+                      </a:r>
+                    </a:p>
+                  </a:txBody>
+                  <a:tcPr/>
+                </a:tc>
+                <a:tc>
+                  <a:txBody>
+                    <a:bodyPr/>
+                    <a:lstStyle/>
+                    <a:p>
+                      <a:r>
+                        <a:rPr lang="en-US" b="1" dirty="0"/>
+                        <a:t>Predicted Yes</a:t>
+                      </a:r>
+                    </a:p>
+                  </a:txBody>
+                  <a:tcPr/>
+                </a:tc>
+                <a:extLst>
+                  <a:ext uri="{0D108BD9-81ED-4DB2-BD59-A6C34878D82A}">
+                    <a16:rowId xmlns:a16="http://schemas.microsoft.com/office/drawing/2014/main" val="174414172"/>
+                  </a:ext>
+                </a:extLst>
+              </a:tr>
+              <a:tr h="370840">
+                <a:tc>
+                  <a:txBody>
+                    <a:bodyPr/>
+                    <a:lstStyle/>
+                    <a:p>
+                      <a:r>
+                        <a:rPr lang="en-US" b="1" dirty="0"/>
+                        <a:t>Actual No</a:t>
+                      </a:r>
+                    </a:p>
+                  </a:txBody>
+                  <a:tcPr/>
+                </a:tc>
+                <a:tc>
+                  <a:txBody>
+                    <a:bodyPr/>
+                    <a:lstStyle/>
+                    <a:p>
+                      <a:r>
+                        <a:rPr lang="en-US" dirty="0"/>
+                        <a:t>40</a:t>
+                      </a:r>
+                    </a:p>
+                  </a:txBody>
+                  <a:tcPr/>
+                </a:tc>
+                <a:tc>
+                  <a:txBody>
+                    <a:bodyPr/>
+                    <a:lstStyle/>
+                    <a:p>
+                      <a:r>
+                        <a:rPr lang="en-US" dirty="0"/>
+                        <a:t>10</a:t>
+                      </a:r>
+                    </a:p>
+                  </a:txBody>
+                  <a:tcPr/>
+                </a:tc>
+                <a:extLst>
+                  <a:ext uri="{0D108BD9-81ED-4DB2-BD59-A6C34878D82A}">
+                    <a16:rowId xmlns:a16="http://schemas.microsoft.com/office/drawing/2014/main" val="1044836938"/>
+                  </a:ext>
+                </a:extLst>
+              </a:tr>
+              <a:tr h="370840">
+                <a:tc>
+                  <a:txBody>
+                    <a:bodyPr/>
+                    <a:lstStyle/>
+                    <a:p>
+                      <a:r>
+                        <a:rPr lang="en-US" b="1" dirty="0"/>
+                        <a:t>Actual Yes</a:t>
+                      </a:r>
+                    </a:p>
+                  </a:txBody>
+                  <a:tcPr/>
+                </a:tc>
+                <a:tc>
+                  <a:txBody>
+                    <a:bodyPr/>
+                    <a:lstStyle/>
+                    <a:p>
+                      <a:r>
+                        <a:rPr lang="en-US" dirty="0"/>
+                        <a:t>5</a:t>
+                      </a:r>
+                    </a:p>
+                  </a:txBody>
+                  <a:tcPr/>
+                </a:tc>
+                <a:tc>
+                  <a:txBody>
+                    <a:bodyPr/>
+                    <a:lstStyle/>
+                    <a:p>
+                      <a:r>
+                        <a:rPr lang="en-US" dirty="0"/>
+                        <a:t>45</a:t>
+                      </a:r>
+                    </a:p>
+                  </a:txBody>
+                  <a:tcPr/>
+                </a:tc>
+                <a:extLst>
+                  <a:ext uri="{0D108BD9-81ED-4DB2-BD59-A6C34878D82A}">
+                    <a16:rowId xmlns:a16="http://schemas.microsoft.com/office/drawing/2014/main" val="1375819365"/>
+                  </a:ext>
+                </a:extLst>
+              </a:tr>
+            </a:tbl>
+          </a:graphicData>
+        </a:graphic>
+      </p:graphicFrame>
     </p:spTree>
     <p:extLst>
       <p:ext uri="{BB962C8B-B14F-4D97-AF65-F5344CB8AC3E}">
-        <p14:creationId xmlns:p14="http://schemas.microsoft.com/office/powerpoint/2010/main" val="4168104231"/>
+        <p14:creationId xmlns:p14="http://schemas.microsoft.com/office/powerpoint/2010/main" val="2434136017"/>
       </p:ext>
     </p:extLst>
   </p:cSld>
@@ -5172,7 +5841,7 @@
           <a:p>
             <a:r>
               <a:rPr lang="en-US" dirty="0"/>
-              <a:t>Know your Audience</a:t>
+              <a:t>Problem with Accuracy</a:t>
             </a:r>
           </a:p>
         </p:txBody>
@@ -5199,24 +5868,24 @@
             <a:normAutofit/>
           </a:bodyPr>
           <a:lstStyle/>
-          <a:p>
-            <a:r>
-              <a:rPr lang="en-US" dirty="0"/>
-              <a:t>Ask the right questions</a:t>
-            </a:r>
-          </a:p>
-          <a:p>
-            <a:r>
-              <a:rPr lang="en-US" dirty="0"/>
-              <a:t>Clearly communicate results</a:t>
-            </a:r>
-          </a:p>
           <a:p>
             <a:pPr marL="0" indent="0">
               <a:buNone/>
             </a:pPr>
             <a:endParaRPr lang="en-US" dirty="0"/>
           </a:p>
+          <a:p>
+            <a:endParaRPr lang="en-US" baseline="30000" dirty="0"/>
+          </a:p>
+          <a:p>
+            <a:endParaRPr lang="en-US" baseline="30000" dirty="0"/>
+          </a:p>
+          <a:p>
+            <a:endParaRPr lang="en-US" dirty="0"/>
+          </a:p>
+          <a:p>
+            <a:endParaRPr lang="en-US" dirty="0"/>
+          </a:p>
         </p:txBody>
       </p:sp>
       <p:sp>
@@ -5244,10 +5913,430 @@
           </a:p>
         </p:txBody>
       </p:sp>
+      <p:pic>
+        <p:nvPicPr>
+          <p:cNvPr id="9" name="Picture 8">
+            <a:extLst>
+              <a:ext uri="{FF2B5EF4-FFF2-40B4-BE49-F238E27FC236}">
+                <a16:creationId xmlns:a16="http://schemas.microsoft.com/office/drawing/2014/main" id="{775F96AA-4825-1943-BE09-44D31E2C6461}"/>
+              </a:ext>
+            </a:extLst>
+          </p:cNvPr>
+          <p:cNvPicPr>
+            <a:picLocks noChangeAspect="1"/>
+          </p:cNvPicPr>
+          <p:nvPr/>
+        </p:nvPicPr>
+        <p:blipFill>
+          <a:blip r:embed="rId3"/>
+          <a:stretch>
+            <a:fillRect/>
+          </a:stretch>
+        </p:blipFill>
+        <p:spPr>
+          <a:xfrm>
+            <a:off x="2549526" y="4548696"/>
+            <a:ext cx="6350000" cy="1282700"/>
+          </a:xfrm>
+          <a:prstGeom prst="rect">
+            <a:avLst/>
+          </a:prstGeom>
+        </p:spPr>
+      </p:pic>
+      <p:graphicFrame>
+        <p:nvGraphicFramePr>
+          <p:cNvPr id="13" name="Table 12">
+            <a:extLst>
+              <a:ext uri="{FF2B5EF4-FFF2-40B4-BE49-F238E27FC236}">
+                <a16:creationId xmlns:a16="http://schemas.microsoft.com/office/drawing/2014/main" id="{1E17E725-0487-8D41-9679-86A13445135F}"/>
+              </a:ext>
+            </a:extLst>
+          </p:cNvPr>
+          <p:cNvGraphicFramePr>
+            <a:graphicFrameLocks noGrp="1"/>
+          </p:cNvGraphicFramePr>
+          <p:nvPr>
+            <p:extLst>
+              <p:ext uri="{D42A27DB-BD31-4B8C-83A1-F6EECF244321}">
+                <p14:modId xmlns:p14="http://schemas.microsoft.com/office/powerpoint/2010/main" val="4125527211"/>
+              </p:ext>
+            </p:extLst>
+          </p:nvPr>
+        </p:nvGraphicFramePr>
+        <p:xfrm>
+          <a:off x="838200" y="1893379"/>
+          <a:ext cx="4374325" cy="1107440"/>
+        </p:xfrm>
+        <a:graphic>
+          <a:graphicData uri="http://schemas.openxmlformats.org/drawingml/2006/table">
+            <a:tbl>
+              <a:tblPr bandRow="1">
+                <a:tableStyleId>{5940675A-B579-460E-94D1-54222C63F5DA}</a:tableStyleId>
+              </a:tblPr>
+              <a:tblGrid>
+                <a:gridCol w="1257681">
+                  <a:extLst>
+                    <a:ext uri="{9D8B030D-6E8A-4147-A177-3AD203B41FA5}">
+                      <a16:colId xmlns:a16="http://schemas.microsoft.com/office/drawing/2014/main" val="560933193"/>
+                    </a:ext>
+                  </a:extLst>
+                </a:gridCol>
+                <a:gridCol w="1547178">
+                  <a:extLst>
+                    <a:ext uri="{9D8B030D-6E8A-4147-A177-3AD203B41FA5}">
+                      <a16:colId xmlns:a16="http://schemas.microsoft.com/office/drawing/2014/main" val="567124034"/>
+                    </a:ext>
+                  </a:extLst>
+                </a:gridCol>
+                <a:gridCol w="1569466">
+                  <a:extLst>
+                    <a:ext uri="{9D8B030D-6E8A-4147-A177-3AD203B41FA5}">
+                      <a16:colId xmlns:a16="http://schemas.microsoft.com/office/drawing/2014/main" val="1411053579"/>
+                    </a:ext>
+                  </a:extLst>
+                </a:gridCol>
+              </a:tblGrid>
+              <a:tr h="0">
+                <a:tc>
+                  <a:txBody>
+                    <a:bodyPr/>
+                    <a:lstStyle/>
+                    <a:p>
+                      <a:r>
+                        <a:rPr lang="en-US" dirty="0"/>
+                        <a:t>n=100</a:t>
+                      </a:r>
+                    </a:p>
+                  </a:txBody>
+                  <a:tcPr/>
+                </a:tc>
+                <a:tc>
+                  <a:txBody>
+                    <a:bodyPr/>
+                    <a:lstStyle/>
+                    <a:p>
+                      <a:r>
+                        <a:rPr lang="en-US" b="1" dirty="0"/>
+                        <a:t>Predicted No</a:t>
+                      </a:r>
+                    </a:p>
+                  </a:txBody>
+                  <a:tcPr/>
+                </a:tc>
+                <a:tc>
+                  <a:txBody>
+                    <a:bodyPr/>
+                    <a:lstStyle/>
+                    <a:p>
+                      <a:r>
+                        <a:rPr lang="en-US" b="1" dirty="0"/>
+                        <a:t>Predicted Yes</a:t>
+                      </a:r>
+                    </a:p>
+                  </a:txBody>
+                  <a:tcPr/>
+                </a:tc>
+                <a:extLst>
+                  <a:ext uri="{0D108BD9-81ED-4DB2-BD59-A6C34878D82A}">
+                    <a16:rowId xmlns:a16="http://schemas.microsoft.com/office/drawing/2014/main" val="174414172"/>
+                  </a:ext>
+                </a:extLst>
+              </a:tr>
+              <a:tr h="370840">
+                <a:tc>
+                  <a:txBody>
+                    <a:bodyPr/>
+                    <a:lstStyle/>
+                    <a:p>
+                      <a:r>
+                        <a:rPr lang="en-US" b="1" dirty="0"/>
+                        <a:t>Actual No</a:t>
+                      </a:r>
+                    </a:p>
+                  </a:txBody>
+                  <a:tcPr/>
+                </a:tc>
+                <a:tc>
+                  <a:txBody>
+                    <a:bodyPr/>
+                    <a:lstStyle/>
+                    <a:p>
+                      <a:r>
+                        <a:rPr lang="en-US" dirty="0"/>
+                        <a:t>50</a:t>
+                      </a:r>
+                    </a:p>
+                  </a:txBody>
+                  <a:tcPr/>
+                </a:tc>
+                <a:tc>
+                  <a:txBody>
+                    <a:bodyPr/>
+                    <a:lstStyle/>
+                    <a:p>
+                      <a:r>
+                        <a:rPr lang="en-US" dirty="0"/>
+                        <a:t>0</a:t>
+                      </a:r>
+                    </a:p>
+                  </a:txBody>
+                  <a:tcPr/>
+                </a:tc>
+                <a:extLst>
+                  <a:ext uri="{0D108BD9-81ED-4DB2-BD59-A6C34878D82A}">
+                    <a16:rowId xmlns:a16="http://schemas.microsoft.com/office/drawing/2014/main" val="1044836938"/>
+                  </a:ext>
+                </a:extLst>
+              </a:tr>
+              <a:tr h="370840">
+                <a:tc>
+                  <a:txBody>
+                    <a:bodyPr/>
+                    <a:lstStyle/>
+                    <a:p>
+                      <a:r>
+                        <a:rPr lang="en-US" b="1" dirty="0"/>
+                        <a:t>Actual Yes</a:t>
+                      </a:r>
+                    </a:p>
+                  </a:txBody>
+                  <a:tcPr/>
+                </a:tc>
+                <a:tc>
+                  <a:txBody>
+                    <a:bodyPr/>
+                    <a:lstStyle/>
+                    <a:p>
+                      <a:r>
+                        <a:rPr lang="en-US" dirty="0"/>
+                        <a:t>15</a:t>
+                      </a:r>
+                    </a:p>
+                  </a:txBody>
+                  <a:tcPr/>
+                </a:tc>
+                <a:tc>
+                  <a:txBody>
+                    <a:bodyPr/>
+                    <a:lstStyle/>
+                    <a:p>
+                      <a:r>
+                        <a:rPr lang="en-US" dirty="0"/>
+                        <a:t>35</a:t>
+                      </a:r>
+                    </a:p>
+                  </a:txBody>
+                  <a:tcPr/>
+                </a:tc>
+                <a:extLst>
+                  <a:ext uri="{0D108BD9-81ED-4DB2-BD59-A6C34878D82A}">
+                    <a16:rowId xmlns:a16="http://schemas.microsoft.com/office/drawing/2014/main" val="1375819365"/>
+                  </a:ext>
+                </a:extLst>
+              </a:tr>
+            </a:tbl>
+          </a:graphicData>
+        </a:graphic>
+      </p:graphicFrame>
+      <p:graphicFrame>
+        <p:nvGraphicFramePr>
+          <p:cNvPr id="14" name="Table 13">
+            <a:extLst>
+              <a:ext uri="{FF2B5EF4-FFF2-40B4-BE49-F238E27FC236}">
+                <a16:creationId xmlns:a16="http://schemas.microsoft.com/office/drawing/2014/main" id="{A7011F16-CF98-0D44-9C02-DD968FEC368D}"/>
+              </a:ext>
+            </a:extLst>
+          </p:cNvPr>
+          <p:cNvGraphicFramePr>
+            <a:graphicFrameLocks noGrp="1"/>
+          </p:cNvGraphicFramePr>
+          <p:nvPr>
+            <p:extLst>
+              <p:ext uri="{D42A27DB-BD31-4B8C-83A1-F6EECF244321}">
+                <p14:modId xmlns:p14="http://schemas.microsoft.com/office/powerpoint/2010/main" val="3547095793"/>
+              </p:ext>
+            </p:extLst>
+          </p:nvPr>
+        </p:nvGraphicFramePr>
+        <p:xfrm>
+          <a:off x="5966237" y="1893379"/>
+          <a:ext cx="4374325" cy="1107440"/>
+        </p:xfrm>
+        <a:graphic>
+          <a:graphicData uri="http://schemas.openxmlformats.org/drawingml/2006/table">
+            <a:tbl>
+              <a:tblPr bandRow="1">
+                <a:tableStyleId>{5940675A-B579-460E-94D1-54222C63F5DA}</a:tableStyleId>
+              </a:tblPr>
+              <a:tblGrid>
+                <a:gridCol w="1257681">
+                  <a:extLst>
+                    <a:ext uri="{9D8B030D-6E8A-4147-A177-3AD203B41FA5}">
+                      <a16:colId xmlns:a16="http://schemas.microsoft.com/office/drawing/2014/main" val="560933193"/>
+                    </a:ext>
+                  </a:extLst>
+                </a:gridCol>
+                <a:gridCol w="1547178">
+                  <a:extLst>
+                    <a:ext uri="{9D8B030D-6E8A-4147-A177-3AD203B41FA5}">
+                      <a16:colId xmlns:a16="http://schemas.microsoft.com/office/drawing/2014/main" val="567124034"/>
+                    </a:ext>
+                  </a:extLst>
+                </a:gridCol>
+                <a:gridCol w="1569466">
+                  <a:extLst>
+                    <a:ext uri="{9D8B030D-6E8A-4147-A177-3AD203B41FA5}">
+                      <a16:colId xmlns:a16="http://schemas.microsoft.com/office/drawing/2014/main" val="1411053579"/>
+                    </a:ext>
+                  </a:extLst>
+                </a:gridCol>
+              </a:tblGrid>
+              <a:tr h="0">
+                <a:tc>
+                  <a:txBody>
+                    <a:bodyPr/>
+                    <a:lstStyle/>
+                    <a:p>
+                      <a:r>
+                        <a:rPr lang="en-US" dirty="0"/>
+                        <a:t>n=100</a:t>
+                      </a:r>
+                    </a:p>
+                  </a:txBody>
+                  <a:tcPr/>
+                </a:tc>
+                <a:tc>
+                  <a:txBody>
+                    <a:bodyPr/>
+                    <a:lstStyle/>
+                    <a:p>
+                      <a:r>
+                        <a:rPr lang="en-US" b="1" dirty="0"/>
+                        <a:t>Predicted No</a:t>
+                      </a:r>
+                    </a:p>
+                  </a:txBody>
+                  <a:tcPr/>
+                </a:tc>
+                <a:tc>
+                  <a:txBody>
+                    <a:bodyPr/>
+                    <a:lstStyle/>
+                    <a:p>
+                      <a:r>
+                        <a:rPr lang="en-US" b="1" dirty="0"/>
+                        <a:t>Predicted Yes</a:t>
+                      </a:r>
+                    </a:p>
+                  </a:txBody>
+                  <a:tcPr/>
+                </a:tc>
+                <a:extLst>
+                  <a:ext uri="{0D108BD9-81ED-4DB2-BD59-A6C34878D82A}">
+                    <a16:rowId xmlns:a16="http://schemas.microsoft.com/office/drawing/2014/main" val="174414172"/>
+                  </a:ext>
+                </a:extLst>
+              </a:tr>
+              <a:tr h="370840">
+                <a:tc>
+                  <a:txBody>
+                    <a:bodyPr/>
+                    <a:lstStyle/>
+                    <a:p>
+                      <a:r>
+                        <a:rPr lang="en-US" b="1" dirty="0"/>
+                        <a:t>Actual No</a:t>
+                      </a:r>
+                    </a:p>
+                  </a:txBody>
+                  <a:tcPr/>
+                </a:tc>
+                <a:tc>
+                  <a:txBody>
+                    <a:bodyPr/>
+                    <a:lstStyle/>
+                    <a:p>
+                      <a:r>
+                        <a:rPr lang="en-US" dirty="0"/>
+                        <a:t>35</a:t>
+                      </a:r>
+                    </a:p>
+                  </a:txBody>
+                  <a:tcPr/>
+                </a:tc>
+                <a:tc>
+                  <a:txBody>
+                    <a:bodyPr/>
+                    <a:lstStyle/>
+                    <a:p>
+                      <a:r>
+                        <a:rPr lang="en-US" dirty="0"/>
+                        <a:t>15</a:t>
+                      </a:r>
+                    </a:p>
+                  </a:txBody>
+                  <a:tcPr/>
+                </a:tc>
+                <a:extLst>
+                  <a:ext uri="{0D108BD9-81ED-4DB2-BD59-A6C34878D82A}">
+                    <a16:rowId xmlns:a16="http://schemas.microsoft.com/office/drawing/2014/main" val="1044836938"/>
+                  </a:ext>
+                </a:extLst>
+              </a:tr>
+              <a:tr h="370840">
+                <a:tc>
+                  <a:txBody>
+                    <a:bodyPr/>
+                    <a:lstStyle/>
+                    <a:p>
+                      <a:r>
+                        <a:rPr lang="en-US" b="1" dirty="0"/>
+                        <a:t>Actual Yes</a:t>
+                      </a:r>
+                    </a:p>
+                  </a:txBody>
+                  <a:tcPr/>
+                </a:tc>
+                <a:tc>
+                  <a:txBody>
+                    <a:bodyPr/>
+                    <a:lstStyle/>
+                    <a:p>
+                      <a:r>
+                        <a:rPr lang="en-US" dirty="0"/>
+                        <a:t>0</a:t>
+                      </a:r>
+                    </a:p>
+                  </a:txBody>
+                  <a:tcPr/>
+                </a:tc>
+                <a:tc>
+                  <a:txBody>
+                    <a:bodyPr/>
+                    <a:lstStyle/>
+                    <a:p>
+                      <a:r>
+                        <a:rPr lang="en-US" dirty="0"/>
+                        <a:t>50</a:t>
+                      </a:r>
+                    </a:p>
+                  </a:txBody>
+                  <a:tcPr/>
+                </a:tc>
+                <a:extLst>
+                  <a:ext uri="{0D108BD9-81ED-4DB2-BD59-A6C34878D82A}">
+                    <a16:rowId xmlns:a16="http://schemas.microsoft.com/office/drawing/2014/main" val="1375819365"/>
+                  </a:ext>
+                </a:extLst>
+              </a:tr>
+            </a:tbl>
+          </a:graphicData>
+        </a:graphic>
+      </p:graphicFrame>
     </p:spTree>
     <p:extLst>
       <p:ext uri="{BB962C8B-B14F-4D97-AF65-F5344CB8AC3E}">
-        <p14:creationId xmlns:p14="http://schemas.microsoft.com/office/powerpoint/2010/main" val="1872151657"/>
+        <p14:creationId xmlns:p14="http://schemas.microsoft.com/office/powerpoint/2010/main" val="2131976324"/>
       </p:ext>
     </p:extLst>
   </p:cSld>
@@ -5297,7 +6386,7 @@
           <a:p>
             <a:r>
               <a:rPr lang="en-US" dirty="0"/>
-              <a:t>Project Proposal</a:t>
+              <a:t>Precision, Recall, f-score</a:t>
             </a:r>
           </a:p>
         </p:txBody>
@@ -5325,28 +6414,22 @@
           </a:bodyPr>
           <a:lstStyle/>
           <a:p>
-            <a:r>
-              <a:rPr lang="en-US" dirty="0"/>
-              <a:t>No more than 1 page!</a:t>
-            </a:r>
-          </a:p>
-          <a:p>
-            <a:r>
-              <a:rPr lang="en-US" dirty="0"/>
-              <a:t>One paragraph, summary/purpose of the project (why, what, who)</a:t>
-            </a:r>
-          </a:p>
-          <a:p>
-            <a:r>
-              <a:rPr lang="en-US" dirty="0"/>
-              <a:t>One paragraph details of the problem (what)</a:t>
-            </a:r>
-          </a:p>
-          <a:p>
-            <a:r>
-              <a:rPr lang="en-US" dirty="0"/>
-              <a:t>One-two paragraph details of possible solution (how; including data sources, ML algorithms, expected output)</a:t>
-            </a:r>
+            <a:pPr marL="0" indent="0">
+              <a:buNone/>
+            </a:pPr>
+            <a:endParaRPr lang="en-US" dirty="0"/>
+          </a:p>
+          <a:p>
+            <a:endParaRPr lang="en-US" baseline="30000" dirty="0"/>
+          </a:p>
+          <a:p>
+            <a:endParaRPr lang="en-US" baseline="30000" dirty="0"/>
+          </a:p>
+          <a:p>
+            <a:endParaRPr lang="en-US" dirty="0"/>
+          </a:p>
+          <a:p>
+            <a:endParaRPr lang="en-US" dirty="0"/>
           </a:p>
         </p:txBody>
       </p:sp>
@@ -5375,10 +6458,895 @@
           </a:p>
         </p:txBody>
       </p:sp>
+      <p:pic>
+        <p:nvPicPr>
+          <p:cNvPr id="8" name="Picture 7">
+            <a:extLst>
+              <a:ext uri="{FF2B5EF4-FFF2-40B4-BE49-F238E27FC236}">
+                <a16:creationId xmlns:a16="http://schemas.microsoft.com/office/drawing/2014/main" id="{1BF886DE-A7B7-A14C-9F53-DAE17673112F}"/>
+              </a:ext>
+            </a:extLst>
+          </p:cNvPr>
+          <p:cNvPicPr>
+            <a:picLocks noChangeAspect="1"/>
+          </p:cNvPicPr>
+          <p:nvPr/>
+        </p:nvPicPr>
+        <p:blipFill>
+          <a:blip r:embed="rId3"/>
+          <a:stretch>
+            <a:fillRect/>
+          </a:stretch>
+        </p:blipFill>
+        <p:spPr>
+          <a:xfrm>
+            <a:off x="8014764" y="0"/>
+            <a:ext cx="3771586" cy="6858000"/>
+          </a:xfrm>
+          <a:prstGeom prst="rect">
+            <a:avLst/>
+          </a:prstGeom>
+        </p:spPr>
+      </p:pic>
+      <p:pic>
+        <p:nvPicPr>
+          <p:cNvPr id="11" name="Picture 10">
+            <a:extLst>
+              <a:ext uri="{FF2B5EF4-FFF2-40B4-BE49-F238E27FC236}">
+                <a16:creationId xmlns:a16="http://schemas.microsoft.com/office/drawing/2014/main" id="{556A8FC0-35E7-BA44-A97E-58F171E79657}"/>
+              </a:ext>
+            </a:extLst>
+          </p:cNvPr>
+          <p:cNvPicPr>
+            <a:picLocks noChangeAspect="1"/>
+          </p:cNvPicPr>
+          <p:nvPr/>
+        </p:nvPicPr>
+        <p:blipFill rotWithShape="1">
+          <a:blip r:embed="rId4"/>
+          <a:srcRect r="38163"/>
+          <a:stretch/>
+        </p:blipFill>
+        <p:spPr>
+          <a:xfrm>
+            <a:off x="1428594" y="1646238"/>
+            <a:ext cx="5497286" cy="3225800"/>
+          </a:xfrm>
+          <a:prstGeom prst="rect">
+            <a:avLst/>
+          </a:prstGeom>
+        </p:spPr>
+      </p:pic>
+      <p:sp>
+        <p:nvSpPr>
+          <p:cNvPr id="12" name="TextBox 11">
+            <a:extLst>
+              <a:ext uri="{FF2B5EF4-FFF2-40B4-BE49-F238E27FC236}">
+                <a16:creationId xmlns:a16="http://schemas.microsoft.com/office/drawing/2014/main" id="{5C52F17C-37C1-4548-88C5-08753C7535C6}"/>
+              </a:ext>
+            </a:extLst>
+          </p:cNvPr>
+          <p:cNvSpPr txBox="1"/>
+          <p:nvPr/>
+        </p:nvSpPr>
+        <p:spPr>
+          <a:xfrm>
+            <a:off x="1428594" y="4570969"/>
+            <a:ext cx="5844870" cy="246221"/>
+          </a:xfrm>
+          <a:prstGeom prst="rect">
+            <a:avLst/>
+          </a:prstGeom>
+          <a:noFill/>
+        </p:spPr>
+        <p:txBody>
+          <a:bodyPr wrap="none" rtlCol="0">
+            <a:spAutoFit/>
+          </a:bodyPr>
+          <a:lstStyle/>
+          <a:p>
+            <a:r>
+              <a:rPr lang="en-US" sz="1000" dirty="0"/>
+              <a:t>https://</a:t>
+            </a:r>
+            <a:r>
+              <a:rPr lang="en-US" sz="1000" dirty="0" err="1"/>
+              <a:t>medium.com</a:t>
+            </a:r>
+            <a:r>
+              <a:rPr lang="en-US" sz="1000" dirty="0"/>
+              <a:t>/</a:t>
+            </a:r>
+            <a:r>
+              <a:rPr lang="en-US" sz="1000" dirty="0" err="1"/>
+              <a:t>datadriveninvestor</a:t>
+            </a:r>
+            <a:r>
+              <a:rPr lang="en-US" sz="1000" dirty="0"/>
+              <a:t>/confusion-matric-tpr-fpr-fnr-tnr-precision-recall-f1-score-73efa162a25f</a:t>
+            </a:r>
+          </a:p>
+        </p:txBody>
+      </p:sp>
+      <p:pic>
+        <p:nvPicPr>
+          <p:cNvPr id="6" name="Picture 5">
+            <a:extLst>
+              <a:ext uri="{FF2B5EF4-FFF2-40B4-BE49-F238E27FC236}">
+                <a16:creationId xmlns:a16="http://schemas.microsoft.com/office/drawing/2014/main" id="{80EDAEF0-27F6-5047-A0F8-3989D9F89624}"/>
+              </a:ext>
+            </a:extLst>
+          </p:cNvPr>
+          <p:cNvPicPr>
+            <a:picLocks noChangeAspect="1"/>
+          </p:cNvPicPr>
+          <p:nvPr/>
+        </p:nvPicPr>
+        <p:blipFill>
+          <a:blip r:embed="rId5"/>
+          <a:stretch>
+            <a:fillRect/>
+          </a:stretch>
+        </p:blipFill>
+        <p:spPr>
+          <a:xfrm>
+            <a:off x="1208001" y="4952127"/>
+            <a:ext cx="6705914" cy="995282"/>
+          </a:xfrm>
+          <a:prstGeom prst="rect">
+            <a:avLst/>
+          </a:prstGeom>
+        </p:spPr>
+      </p:pic>
     </p:spTree>
     <p:extLst>
       <p:ext uri="{BB962C8B-B14F-4D97-AF65-F5344CB8AC3E}">
-        <p14:creationId xmlns:p14="http://schemas.microsoft.com/office/powerpoint/2010/main" val="977610699"/>
+        <p14:creationId xmlns:p14="http://schemas.microsoft.com/office/powerpoint/2010/main" val="2072604239"/>
+      </p:ext>
+    </p:extLst>
+  </p:cSld>
+  <p:clrMapOvr>
+    <a:masterClrMapping/>
+  </p:clrMapOvr>
+</p:sld>
+</file>
+
+<file path=ppt/slides/slide7.xml><?xml version="1.0" encoding="utf-8"?>
+<p:sld xmlns:a="http://schemas.openxmlformats.org/drawingml/2006/main" xmlns:r="http://schemas.openxmlformats.org/officeDocument/2006/relationships" xmlns:p="http://schemas.openxmlformats.org/presentationml/2006/main">
+  <p:cSld>
+    <p:spTree>
+      <p:nvGrpSpPr>
+        <p:cNvPr id="1" name=""/>
+        <p:cNvGrpSpPr/>
+        <p:nvPr/>
+      </p:nvGrpSpPr>
+      <p:grpSpPr>
+        <a:xfrm>
+          <a:off x="0" y="0"/>
+          <a:ext cx="0" cy="0"/>
+          <a:chOff x="0" y="0"/>
+          <a:chExt cx="0" cy="0"/>
+        </a:xfrm>
+      </p:grpSpPr>
+      <p:sp>
+        <p:nvSpPr>
+          <p:cNvPr id="2" name="Title 1">
+            <a:extLst>
+              <a:ext uri="{FF2B5EF4-FFF2-40B4-BE49-F238E27FC236}">
+                <a16:creationId xmlns:a16="http://schemas.microsoft.com/office/drawing/2014/main" id="{9D1C8D72-0F16-5C40-9AE9-DC295292A2A9}"/>
+              </a:ext>
+            </a:extLst>
+          </p:cNvPr>
+          <p:cNvSpPr>
+            <a:spLocks noGrp="1"/>
+          </p:cNvSpPr>
+          <p:nvPr>
+            <p:ph type="title"/>
+          </p:nvPr>
+        </p:nvSpPr>
+        <p:spPr/>
+        <p:txBody>
+          <a:bodyPr/>
+          <a:lstStyle/>
+          <a:p>
+            <a:r>
+              <a:rPr lang="en-US" dirty="0"/>
+              <a:t>Precision-Recall Curve</a:t>
+            </a:r>
+          </a:p>
+        </p:txBody>
+      </p:sp>
+      <p:sp>
+        <p:nvSpPr>
+          <p:cNvPr id="3" name="Content Placeholder 2">
+            <a:extLst>
+              <a:ext uri="{FF2B5EF4-FFF2-40B4-BE49-F238E27FC236}">
+                <a16:creationId xmlns:a16="http://schemas.microsoft.com/office/drawing/2014/main" id="{72561643-91DE-FA4E-90EF-6E29140C2E69}"/>
+              </a:ext>
+            </a:extLst>
+          </p:cNvPr>
+          <p:cNvSpPr>
+            <a:spLocks noGrp="1"/>
+          </p:cNvSpPr>
+          <p:nvPr>
+            <p:ph idx="1"/>
+          </p:nvPr>
+        </p:nvSpPr>
+        <p:spPr/>
+        <p:txBody>
+          <a:bodyPr>
+            <a:normAutofit/>
+          </a:bodyPr>
+          <a:lstStyle/>
+          <a:p>
+            <a:pPr marL="0" indent="0">
+              <a:buNone/>
+            </a:pPr>
+            <a:endParaRPr lang="en-US" dirty="0"/>
+          </a:p>
+          <a:p>
+            <a:endParaRPr lang="en-US" baseline="30000" dirty="0"/>
+          </a:p>
+          <a:p>
+            <a:endParaRPr lang="en-US" baseline="30000" dirty="0"/>
+          </a:p>
+          <a:p>
+            <a:endParaRPr lang="en-US" dirty="0"/>
+          </a:p>
+          <a:p>
+            <a:endParaRPr lang="en-US" dirty="0"/>
+          </a:p>
+        </p:txBody>
+      </p:sp>
+      <p:sp>
+        <p:nvSpPr>
+          <p:cNvPr id="4" name="Footer Placeholder 3">
+            <a:extLst>
+              <a:ext uri="{FF2B5EF4-FFF2-40B4-BE49-F238E27FC236}">
+                <a16:creationId xmlns:a16="http://schemas.microsoft.com/office/drawing/2014/main" id="{14B89400-6E34-6147-9087-D9872884E482}"/>
+              </a:ext>
+            </a:extLst>
+          </p:cNvPr>
+          <p:cNvSpPr>
+            <a:spLocks noGrp="1"/>
+          </p:cNvSpPr>
+          <p:nvPr>
+            <p:ph type="ftr" sz="quarter" idx="11"/>
+          </p:nvPr>
+        </p:nvSpPr>
+        <p:spPr/>
+        <p:txBody>
+          <a:bodyPr/>
+          <a:lstStyle/>
+          <a:p>
+            <a:endParaRPr lang="en-US"/>
+          </a:p>
+        </p:txBody>
+      </p:sp>
+      <p:sp>
+        <p:nvSpPr>
+          <p:cNvPr id="5" name="TextBox 4">
+            <a:extLst>
+              <a:ext uri="{FF2B5EF4-FFF2-40B4-BE49-F238E27FC236}">
+                <a16:creationId xmlns:a16="http://schemas.microsoft.com/office/drawing/2014/main" id="{F516AE51-A60B-6A47-8F5F-1D292A850044}"/>
+              </a:ext>
+            </a:extLst>
+          </p:cNvPr>
+          <p:cNvSpPr txBox="1"/>
+          <p:nvPr/>
+        </p:nvSpPr>
+        <p:spPr>
+          <a:xfrm>
+            <a:off x="838200" y="1646238"/>
+            <a:ext cx="10620375" cy="1477328"/>
+          </a:xfrm>
+          <a:prstGeom prst="rect">
+            <a:avLst/>
+          </a:prstGeom>
+          <a:noFill/>
+        </p:spPr>
+        <p:txBody>
+          <a:bodyPr wrap="square" rtlCol="0">
+            <a:spAutoFit/>
+          </a:bodyPr>
+          <a:lstStyle/>
+          <a:p>
+            <a:pPr marL="285750" indent="-285750" fontAlgn="base">
+              <a:buFont typeface="Arial" panose="020B0604020202020204" pitchFamily="34" charset="0"/>
+              <a:buChar char="•"/>
+            </a:pPr>
+            <a:r>
+              <a:rPr lang="en-US" dirty="0"/>
+              <a:t>Precision-Recall curves summarize the trade-off between the true positive rate and the positive predictive value for a predictive model using different probability thresholds.</a:t>
+            </a:r>
+          </a:p>
+          <a:p>
+            <a:pPr marL="285750" indent="-285750" fontAlgn="base">
+              <a:buFont typeface="Arial" panose="020B0604020202020204" pitchFamily="34" charset="0"/>
+              <a:buChar char="•"/>
+            </a:pPr>
+            <a:r>
+              <a:rPr lang="en-US" dirty="0"/>
+              <a:t>Appropriate when data is imbalanced</a:t>
+            </a:r>
+          </a:p>
+          <a:p>
+            <a:br>
+              <a:rPr lang="en-US" dirty="0"/>
+            </a:br>
+            <a:endParaRPr lang="en-US" dirty="0"/>
+          </a:p>
+        </p:txBody>
+      </p:sp>
+      <p:pic>
+        <p:nvPicPr>
+          <p:cNvPr id="7" name="Picture 6">
+            <a:extLst>
+              <a:ext uri="{FF2B5EF4-FFF2-40B4-BE49-F238E27FC236}">
+                <a16:creationId xmlns:a16="http://schemas.microsoft.com/office/drawing/2014/main" id="{9230BD31-69A7-5B4A-8A05-3FA9C39D0BE5}"/>
+              </a:ext>
+            </a:extLst>
+          </p:cNvPr>
+          <p:cNvPicPr>
+            <a:picLocks noChangeAspect="1"/>
+          </p:cNvPicPr>
+          <p:nvPr/>
+        </p:nvPicPr>
+        <p:blipFill>
+          <a:blip r:embed="rId3"/>
+          <a:stretch>
+            <a:fillRect/>
+          </a:stretch>
+        </p:blipFill>
+        <p:spPr>
+          <a:xfrm>
+            <a:off x="5572125" y="2332991"/>
+            <a:ext cx="5524500" cy="4143375"/>
+          </a:xfrm>
+          <a:prstGeom prst="rect">
+            <a:avLst/>
+          </a:prstGeom>
+        </p:spPr>
+      </p:pic>
+      <p:sp>
+        <p:nvSpPr>
+          <p:cNvPr id="8" name="TextBox 7">
+            <a:extLst>
+              <a:ext uri="{FF2B5EF4-FFF2-40B4-BE49-F238E27FC236}">
+                <a16:creationId xmlns:a16="http://schemas.microsoft.com/office/drawing/2014/main" id="{3A7DD291-7F78-9C46-881A-8FE03803072B}"/>
+              </a:ext>
+            </a:extLst>
+          </p:cNvPr>
+          <p:cNvSpPr txBox="1"/>
+          <p:nvPr/>
+        </p:nvSpPr>
+        <p:spPr>
+          <a:xfrm>
+            <a:off x="5441596" y="6345005"/>
+            <a:ext cx="5785558" cy="253916"/>
+          </a:xfrm>
+          <a:prstGeom prst="rect">
+            <a:avLst/>
+          </a:prstGeom>
+          <a:noFill/>
+        </p:spPr>
+        <p:txBody>
+          <a:bodyPr wrap="none" rtlCol="0">
+            <a:spAutoFit/>
+          </a:bodyPr>
+          <a:lstStyle/>
+          <a:p>
+            <a:r>
+              <a:rPr lang="en-US" sz="1050" dirty="0"/>
+              <a:t>https://</a:t>
+            </a:r>
+            <a:r>
+              <a:rPr lang="en-US" sz="1050" dirty="0" err="1"/>
+              <a:t>machinelearningmastery.com</a:t>
+            </a:r>
+            <a:r>
+              <a:rPr lang="en-US" sz="1050" dirty="0"/>
+              <a:t>/roc-curves-and-precision-recall-curves-for-imbalanced-classification/</a:t>
+            </a:r>
+          </a:p>
+        </p:txBody>
+      </p:sp>
+    </p:spTree>
+    <p:extLst>
+      <p:ext uri="{BB962C8B-B14F-4D97-AF65-F5344CB8AC3E}">
+        <p14:creationId xmlns:p14="http://schemas.microsoft.com/office/powerpoint/2010/main" val="1359746295"/>
+      </p:ext>
+    </p:extLst>
+  </p:cSld>
+  <p:clrMapOvr>
+    <a:masterClrMapping/>
+  </p:clrMapOvr>
+</p:sld>
+</file>
+
+<file path=ppt/slides/slide8.xml><?xml version="1.0" encoding="utf-8"?>
+<p:sld xmlns:a="http://schemas.openxmlformats.org/drawingml/2006/main" xmlns:r="http://schemas.openxmlformats.org/officeDocument/2006/relationships" xmlns:p="http://schemas.openxmlformats.org/presentationml/2006/main">
+  <p:cSld>
+    <p:spTree>
+      <p:nvGrpSpPr>
+        <p:cNvPr id="1" name=""/>
+        <p:cNvGrpSpPr/>
+        <p:nvPr/>
+      </p:nvGrpSpPr>
+      <p:grpSpPr>
+        <a:xfrm>
+          <a:off x="0" y="0"/>
+          <a:ext cx="0" cy="0"/>
+          <a:chOff x="0" y="0"/>
+          <a:chExt cx="0" cy="0"/>
+        </a:xfrm>
+      </p:grpSpPr>
+      <p:sp>
+        <p:nvSpPr>
+          <p:cNvPr id="2" name="Title 1">
+            <a:extLst>
+              <a:ext uri="{FF2B5EF4-FFF2-40B4-BE49-F238E27FC236}">
+                <a16:creationId xmlns:a16="http://schemas.microsoft.com/office/drawing/2014/main" id="{9D1C8D72-0F16-5C40-9AE9-DC295292A2A9}"/>
+              </a:ext>
+            </a:extLst>
+          </p:cNvPr>
+          <p:cNvSpPr>
+            <a:spLocks noGrp="1"/>
+          </p:cNvSpPr>
+          <p:nvPr>
+            <p:ph type="title"/>
+          </p:nvPr>
+        </p:nvSpPr>
+        <p:spPr/>
+        <p:txBody>
+          <a:bodyPr/>
+          <a:lstStyle/>
+          <a:p>
+            <a:r>
+              <a:rPr lang="en-US" dirty="0"/>
+              <a:t>ROC curve</a:t>
+            </a:r>
+          </a:p>
+        </p:txBody>
+      </p:sp>
+      <p:sp>
+        <p:nvSpPr>
+          <p:cNvPr id="3" name="Content Placeholder 2">
+            <a:extLst>
+              <a:ext uri="{FF2B5EF4-FFF2-40B4-BE49-F238E27FC236}">
+                <a16:creationId xmlns:a16="http://schemas.microsoft.com/office/drawing/2014/main" id="{72561643-91DE-FA4E-90EF-6E29140C2E69}"/>
+              </a:ext>
+            </a:extLst>
+          </p:cNvPr>
+          <p:cNvSpPr>
+            <a:spLocks noGrp="1"/>
+          </p:cNvSpPr>
+          <p:nvPr>
+            <p:ph idx="1"/>
+          </p:nvPr>
+        </p:nvSpPr>
+        <p:spPr/>
+        <p:txBody>
+          <a:bodyPr>
+            <a:normAutofit/>
+          </a:bodyPr>
+          <a:lstStyle/>
+          <a:p>
+            <a:pPr marL="0" indent="0">
+              <a:buNone/>
+            </a:pPr>
+            <a:endParaRPr lang="en-US" dirty="0"/>
+          </a:p>
+          <a:p>
+            <a:endParaRPr lang="en-US" baseline="30000" dirty="0"/>
+          </a:p>
+          <a:p>
+            <a:endParaRPr lang="en-US" baseline="30000" dirty="0"/>
+          </a:p>
+          <a:p>
+            <a:endParaRPr lang="en-US" dirty="0"/>
+          </a:p>
+          <a:p>
+            <a:endParaRPr lang="en-US" dirty="0"/>
+          </a:p>
+        </p:txBody>
+      </p:sp>
+      <p:sp>
+        <p:nvSpPr>
+          <p:cNvPr id="4" name="Footer Placeholder 3">
+            <a:extLst>
+              <a:ext uri="{FF2B5EF4-FFF2-40B4-BE49-F238E27FC236}">
+                <a16:creationId xmlns:a16="http://schemas.microsoft.com/office/drawing/2014/main" id="{14B89400-6E34-6147-9087-D9872884E482}"/>
+              </a:ext>
+            </a:extLst>
+          </p:cNvPr>
+          <p:cNvSpPr>
+            <a:spLocks noGrp="1"/>
+          </p:cNvSpPr>
+          <p:nvPr>
+            <p:ph type="ftr" sz="quarter" idx="11"/>
+          </p:nvPr>
+        </p:nvSpPr>
+        <p:spPr/>
+        <p:txBody>
+          <a:bodyPr/>
+          <a:lstStyle/>
+          <a:p>
+            <a:endParaRPr lang="en-US"/>
+          </a:p>
+        </p:txBody>
+      </p:sp>
+      <p:sp>
+        <p:nvSpPr>
+          <p:cNvPr id="5" name="TextBox 4">
+            <a:extLst>
+              <a:ext uri="{FF2B5EF4-FFF2-40B4-BE49-F238E27FC236}">
+                <a16:creationId xmlns:a16="http://schemas.microsoft.com/office/drawing/2014/main" id="{C492FA0C-CED6-864E-AC5F-150719A69A93}"/>
+              </a:ext>
+            </a:extLst>
+          </p:cNvPr>
+          <p:cNvSpPr txBox="1"/>
+          <p:nvPr/>
+        </p:nvSpPr>
+        <p:spPr>
+          <a:xfrm>
+            <a:off x="838200" y="1500188"/>
+            <a:ext cx="10620375" cy="2031325"/>
+          </a:xfrm>
+          <a:prstGeom prst="rect">
+            <a:avLst/>
+          </a:prstGeom>
+          <a:noFill/>
+        </p:spPr>
+        <p:txBody>
+          <a:bodyPr wrap="square" rtlCol="0">
+            <a:spAutoFit/>
+          </a:bodyPr>
+          <a:lstStyle/>
+          <a:p>
+            <a:pPr marL="285750" indent="-285750">
+              <a:buFont typeface="Arial" panose="020B0604020202020204" pitchFamily="34" charset="0"/>
+              <a:buChar char="•"/>
+            </a:pPr>
+            <a:r>
+              <a:rPr lang="en-US" dirty="0"/>
+              <a:t>ROC Curves summarize the trade-off between the true positive rate and false positive rate for a predictive model using different probability thresholds.</a:t>
+            </a:r>
+          </a:p>
+          <a:p>
+            <a:pPr marL="285750" indent="-285750">
+              <a:buFont typeface="Arial" panose="020B0604020202020204" pitchFamily="34" charset="0"/>
+              <a:buChar char="•"/>
+            </a:pPr>
+            <a:r>
+              <a:rPr lang="en-US" dirty="0"/>
+              <a:t>A ROC curve is constructed by plotting the true positive rate (TPR) against the false positive rate (FPR).</a:t>
+            </a:r>
+          </a:p>
+          <a:p>
+            <a:pPr marL="285750" indent="-285750">
+              <a:buFont typeface="Arial" panose="020B0604020202020204" pitchFamily="34" charset="0"/>
+              <a:buChar char="•"/>
+            </a:pPr>
+            <a:r>
+              <a:rPr lang="en-US" dirty="0"/>
+              <a:t>Is appropriate when the observations are balanced between each class</a:t>
+            </a:r>
+          </a:p>
+          <a:p>
+            <a:pPr marL="285750" indent="-285750">
+              <a:buFont typeface="Arial" panose="020B0604020202020204" pitchFamily="34" charset="0"/>
+              <a:buChar char="•"/>
+            </a:pPr>
+            <a:r>
+              <a:rPr lang="en-US" dirty="0"/>
+              <a:t> As a baseline, a random classifier is expected to give points lying along the diagonal (FPR = TPR). The closer the curve comes to the 45-degree diagonal of the ROC space, the less accurate the test.</a:t>
+            </a:r>
+          </a:p>
+          <a:p>
+            <a:endParaRPr lang="en-US" dirty="0"/>
+          </a:p>
+        </p:txBody>
+      </p:sp>
+      <p:pic>
+        <p:nvPicPr>
+          <p:cNvPr id="7" name="Picture 6">
+            <a:extLst>
+              <a:ext uri="{FF2B5EF4-FFF2-40B4-BE49-F238E27FC236}">
+                <a16:creationId xmlns:a16="http://schemas.microsoft.com/office/drawing/2014/main" id="{E666C222-D83D-E94A-B3D0-92260377E760}"/>
+              </a:ext>
+            </a:extLst>
+          </p:cNvPr>
+          <p:cNvPicPr>
+            <a:picLocks noChangeAspect="1"/>
+          </p:cNvPicPr>
+          <p:nvPr/>
+        </p:nvPicPr>
+        <p:blipFill>
+          <a:blip r:embed="rId3"/>
+          <a:stretch>
+            <a:fillRect/>
+          </a:stretch>
+        </p:blipFill>
+        <p:spPr>
+          <a:xfrm>
+            <a:off x="4165600" y="3531513"/>
+            <a:ext cx="3289300" cy="2463800"/>
+          </a:xfrm>
+          <a:prstGeom prst="rect">
+            <a:avLst/>
+          </a:prstGeom>
+        </p:spPr>
+      </p:pic>
+      <p:sp>
+        <p:nvSpPr>
+          <p:cNvPr id="8" name="TextBox 7">
+            <a:extLst>
+              <a:ext uri="{FF2B5EF4-FFF2-40B4-BE49-F238E27FC236}">
+                <a16:creationId xmlns:a16="http://schemas.microsoft.com/office/drawing/2014/main" id="{8C623EDA-C457-C544-AD9B-5DB8FEDDB584}"/>
+              </a:ext>
+            </a:extLst>
+          </p:cNvPr>
+          <p:cNvSpPr txBox="1"/>
+          <p:nvPr/>
+        </p:nvSpPr>
+        <p:spPr>
+          <a:xfrm>
+            <a:off x="4368188" y="6057984"/>
+            <a:ext cx="2884123" cy="253916"/>
+          </a:xfrm>
+          <a:prstGeom prst="rect">
+            <a:avLst/>
+          </a:prstGeom>
+          <a:noFill/>
+        </p:spPr>
+        <p:txBody>
+          <a:bodyPr wrap="none" rtlCol="0">
+            <a:spAutoFit/>
+          </a:bodyPr>
+          <a:lstStyle/>
+          <a:p>
+            <a:r>
+              <a:rPr lang="en-US" sz="1050" dirty="0"/>
+              <a:t>https://</a:t>
+            </a:r>
+            <a:r>
+              <a:rPr lang="en-US" sz="1050" dirty="0" err="1"/>
+              <a:t>www.youtube.com</a:t>
+            </a:r>
+            <a:r>
+              <a:rPr lang="en-US" sz="1050" dirty="0"/>
+              <a:t>/</a:t>
+            </a:r>
+            <a:r>
+              <a:rPr lang="en-US" sz="1050" dirty="0" err="1"/>
+              <a:t>watch?v</a:t>
+            </a:r>
+            <a:r>
+              <a:rPr lang="en-US" sz="1050" dirty="0"/>
+              <a:t>=J9l8J1MeCbY</a:t>
+            </a:r>
+          </a:p>
+        </p:txBody>
+      </p:sp>
+    </p:spTree>
+    <p:extLst>
+      <p:ext uri="{BB962C8B-B14F-4D97-AF65-F5344CB8AC3E}">
+        <p14:creationId xmlns:p14="http://schemas.microsoft.com/office/powerpoint/2010/main" val="2048640140"/>
+      </p:ext>
+    </p:extLst>
+  </p:cSld>
+  <p:clrMapOvr>
+    <a:masterClrMapping/>
+  </p:clrMapOvr>
+</p:sld>
+</file>
+
+<file path=ppt/slides/slide9.xml><?xml version="1.0" encoding="utf-8"?>
+<p:sld xmlns:a="http://schemas.openxmlformats.org/drawingml/2006/main" xmlns:r="http://schemas.openxmlformats.org/officeDocument/2006/relationships" xmlns:p="http://schemas.openxmlformats.org/presentationml/2006/main">
+  <p:cSld>
+    <p:spTree>
+      <p:nvGrpSpPr>
+        <p:cNvPr id="1" name=""/>
+        <p:cNvGrpSpPr/>
+        <p:nvPr/>
+      </p:nvGrpSpPr>
+      <p:grpSpPr>
+        <a:xfrm>
+          <a:off x="0" y="0"/>
+          <a:ext cx="0" cy="0"/>
+          <a:chOff x="0" y="0"/>
+          <a:chExt cx="0" cy="0"/>
+        </a:xfrm>
+      </p:grpSpPr>
+      <p:sp>
+        <p:nvSpPr>
+          <p:cNvPr id="2" name="Title 1">
+            <a:extLst>
+              <a:ext uri="{FF2B5EF4-FFF2-40B4-BE49-F238E27FC236}">
+                <a16:creationId xmlns:a16="http://schemas.microsoft.com/office/drawing/2014/main" id="{9D1C8D72-0F16-5C40-9AE9-DC295292A2A9}"/>
+              </a:ext>
+            </a:extLst>
+          </p:cNvPr>
+          <p:cNvSpPr>
+            <a:spLocks noGrp="1"/>
+          </p:cNvSpPr>
+          <p:nvPr>
+            <p:ph type="title"/>
+          </p:nvPr>
+        </p:nvSpPr>
+        <p:spPr/>
+        <p:txBody>
+          <a:bodyPr/>
+          <a:lstStyle/>
+          <a:p>
+            <a:r>
+              <a:rPr lang="en-US" dirty="0"/>
+              <a:t>Imbalanced data</a:t>
+            </a:r>
+          </a:p>
+        </p:txBody>
+      </p:sp>
+      <p:sp>
+        <p:nvSpPr>
+          <p:cNvPr id="3" name="Content Placeholder 2">
+            <a:extLst>
+              <a:ext uri="{FF2B5EF4-FFF2-40B4-BE49-F238E27FC236}">
+                <a16:creationId xmlns:a16="http://schemas.microsoft.com/office/drawing/2014/main" id="{72561643-91DE-FA4E-90EF-6E29140C2E69}"/>
+              </a:ext>
+            </a:extLst>
+          </p:cNvPr>
+          <p:cNvSpPr>
+            <a:spLocks noGrp="1"/>
+          </p:cNvSpPr>
+          <p:nvPr>
+            <p:ph idx="1"/>
+          </p:nvPr>
+        </p:nvSpPr>
+        <p:spPr/>
+        <p:txBody>
+          <a:bodyPr>
+            <a:normAutofit/>
+          </a:bodyPr>
+          <a:lstStyle/>
+          <a:p>
+            <a:pPr marL="0" indent="0">
+              <a:buNone/>
+            </a:pPr>
+            <a:endParaRPr lang="en-US" dirty="0"/>
+          </a:p>
+          <a:p>
+            <a:endParaRPr lang="en-US" baseline="30000" dirty="0"/>
+          </a:p>
+          <a:p>
+            <a:endParaRPr lang="en-US" baseline="30000" dirty="0"/>
+          </a:p>
+          <a:p>
+            <a:endParaRPr lang="en-US" dirty="0"/>
+          </a:p>
+          <a:p>
+            <a:endParaRPr lang="en-US" dirty="0"/>
+          </a:p>
+        </p:txBody>
+      </p:sp>
+      <p:sp>
+        <p:nvSpPr>
+          <p:cNvPr id="4" name="Footer Placeholder 3">
+            <a:extLst>
+              <a:ext uri="{FF2B5EF4-FFF2-40B4-BE49-F238E27FC236}">
+                <a16:creationId xmlns:a16="http://schemas.microsoft.com/office/drawing/2014/main" id="{14B89400-6E34-6147-9087-D9872884E482}"/>
+              </a:ext>
+            </a:extLst>
+          </p:cNvPr>
+          <p:cNvSpPr>
+            <a:spLocks noGrp="1"/>
+          </p:cNvSpPr>
+          <p:nvPr>
+            <p:ph type="ftr" sz="quarter" idx="11"/>
+          </p:nvPr>
+        </p:nvSpPr>
+        <p:spPr/>
+        <p:txBody>
+          <a:bodyPr/>
+          <a:lstStyle/>
+          <a:p>
+            <a:endParaRPr lang="en-US"/>
+          </a:p>
+        </p:txBody>
+      </p:sp>
+      <p:sp>
+        <p:nvSpPr>
+          <p:cNvPr id="5" name="TextBox 4">
+            <a:extLst>
+              <a:ext uri="{FF2B5EF4-FFF2-40B4-BE49-F238E27FC236}">
+                <a16:creationId xmlns:a16="http://schemas.microsoft.com/office/drawing/2014/main" id="{C429A8F3-A0C5-734C-83BB-1DC4D2C01AF7}"/>
+              </a:ext>
+            </a:extLst>
+          </p:cNvPr>
+          <p:cNvSpPr txBox="1"/>
+          <p:nvPr/>
+        </p:nvSpPr>
+        <p:spPr>
+          <a:xfrm>
+            <a:off x="838200" y="2243138"/>
+            <a:ext cx="10234613" cy="2031325"/>
+          </a:xfrm>
+          <a:prstGeom prst="rect">
+            <a:avLst/>
+          </a:prstGeom>
+          <a:noFill/>
+        </p:spPr>
+        <p:txBody>
+          <a:bodyPr wrap="square" rtlCol="0">
+            <a:spAutoFit/>
+          </a:bodyPr>
+          <a:lstStyle/>
+          <a:p>
+            <a:endParaRPr lang="en-US" dirty="0"/>
+          </a:p>
+          <a:p>
+            <a:pPr marL="285750" indent="-285750">
+              <a:buFont typeface="Arial" panose="020B0604020202020204" pitchFamily="34" charset="0"/>
+              <a:buChar char="•"/>
+            </a:pPr>
+            <a:r>
+              <a:rPr lang="en-US" dirty="0"/>
+              <a:t>Imbalanced cost – imbalanced data</a:t>
+            </a:r>
+          </a:p>
+          <a:p>
+            <a:pPr marL="285750" indent="-285750">
+              <a:buFont typeface="Arial" panose="020B0604020202020204" pitchFamily="34" charset="0"/>
+              <a:buChar char="•"/>
+            </a:pPr>
+            <a:r>
+              <a:rPr lang="en-US" dirty="0"/>
+              <a:t>Accuracy is not the best metric to use</a:t>
+            </a:r>
+          </a:p>
+          <a:p>
+            <a:pPr marL="285750" indent="-285750">
+              <a:buFont typeface="Arial" panose="020B0604020202020204" pitchFamily="34" charset="0"/>
+              <a:buChar char="•"/>
+            </a:pPr>
+            <a:r>
+              <a:rPr lang="en-US" dirty="0"/>
+              <a:t>Remedies? </a:t>
+            </a:r>
+          </a:p>
+          <a:p>
+            <a:pPr marL="742950" lvl="1" indent="-285750">
+              <a:buFont typeface="Arial" panose="020B0604020202020204" pitchFamily="34" charset="0"/>
+              <a:buChar char="•"/>
+            </a:pPr>
+            <a:r>
+              <a:rPr lang="en-US" dirty="0"/>
+              <a:t>Model: try different models, class weights, loss function</a:t>
+            </a:r>
+          </a:p>
+          <a:p>
+            <a:pPr marL="742950" lvl="1" indent="-285750">
+              <a:buFont typeface="Arial" panose="020B0604020202020204" pitchFamily="34" charset="0"/>
+              <a:buChar char="•"/>
+            </a:pPr>
+            <a:r>
+              <a:rPr lang="en-US" dirty="0"/>
+              <a:t>Data: resample (over/under), create synthetic data</a:t>
+            </a:r>
+          </a:p>
+          <a:p>
+            <a:pPr marL="285750" indent="-285750">
+              <a:buFont typeface="Arial" panose="020B0604020202020204" pitchFamily="34" charset="0"/>
+              <a:buChar char="•"/>
+            </a:pPr>
+            <a:endParaRPr lang="en-US" dirty="0"/>
+          </a:p>
+        </p:txBody>
+      </p:sp>
+    </p:spTree>
+    <p:extLst>
+      <p:ext uri="{BB962C8B-B14F-4D97-AF65-F5344CB8AC3E}">
+        <p14:creationId xmlns:p14="http://schemas.microsoft.com/office/powerpoint/2010/main" val="2867383138"/>
       </p:ext>
     </p:extLst>
   </p:cSld>
